--- a/Review-2/Review-2.pptx
+++ b/Review-2/Review-2.pptx
@@ -5,7 +5,7 @@
     <p:sldMasterId id="2147483765" r:id="rId1"/>
   </p:sldMasterIdLst>
   <p:notesMasterIdLst>
-    <p:notesMasterId r:id="rId19"/>
+    <p:notesMasterId r:id="rId22"/>
   </p:notesMasterIdLst>
   <p:sldIdLst>
     <p:sldId id="257" r:id="rId2"/>
@@ -16,15 +16,18 @@
     <p:sldId id="297" r:id="rId7"/>
     <p:sldId id="298" r:id="rId8"/>
     <p:sldId id="299" r:id="rId9"/>
-    <p:sldId id="300" r:id="rId10"/>
-    <p:sldId id="304" r:id="rId11"/>
-    <p:sldId id="301" r:id="rId12"/>
-    <p:sldId id="305" r:id="rId13"/>
-    <p:sldId id="306" r:id="rId14"/>
-    <p:sldId id="307" r:id="rId15"/>
-    <p:sldId id="302" r:id="rId16"/>
-    <p:sldId id="303" r:id="rId17"/>
-    <p:sldId id="295" r:id="rId18"/>
+    <p:sldId id="308" r:id="rId10"/>
+    <p:sldId id="309" r:id="rId11"/>
+    <p:sldId id="300" r:id="rId12"/>
+    <p:sldId id="304" r:id="rId13"/>
+    <p:sldId id="301" r:id="rId14"/>
+    <p:sldId id="310" r:id="rId15"/>
+    <p:sldId id="305" r:id="rId16"/>
+    <p:sldId id="306" r:id="rId17"/>
+    <p:sldId id="307" r:id="rId18"/>
+    <p:sldId id="302" r:id="rId19"/>
+    <p:sldId id="303" r:id="rId20"/>
+    <p:sldId id="295" r:id="rId21"/>
   </p:sldIdLst>
   <p:sldSz cx="9144000" cy="6858000" type="screen4x3"/>
   <p:notesSz cx="6858000" cy="9144000"/>
@@ -1171,7 +1174,7 @@
               <a:pPr>
                 <a:defRPr/>
               </a:pPr>
-              <a:t>17</a:t>
+              <a:t>20</a:t>
             </a:fld>
             <a:endParaRPr lang="en-IN" dirty="0"/>
           </a:p>
@@ -6082,7 +6085,7 @@
           <p:cNvPr id="2" name="Title 1">
             <a:extLst>
               <a:ext uri="{FF2B5EF4-FFF2-40B4-BE49-F238E27FC236}">
-                <a16:creationId xmlns:a16="http://schemas.microsoft.com/office/drawing/2014/main" id="{881C11F5-BA41-46DB-AB46-D5B72B708534}"/>
+                <a16:creationId xmlns:a16="http://schemas.microsoft.com/office/drawing/2014/main" id="{BE3FB9BF-CB74-43E3-A591-77C56C351F41}"/>
               </a:ext>
             </a:extLst>
           </p:cNvPr>
@@ -6100,7 +6103,7 @@
           <a:p>
             <a:r>
               <a:rPr lang="en-IN" dirty="0"/>
-              <a:t>Literature Survey</a:t>
+              <a:t>Problem Definition</a:t>
             </a:r>
           </a:p>
         </p:txBody>
@@ -6110,7 +6113,7 @@
           <p:cNvPr id="3" name="Content Placeholder 2">
             <a:extLst>
               <a:ext uri="{FF2B5EF4-FFF2-40B4-BE49-F238E27FC236}">
-                <a16:creationId xmlns:a16="http://schemas.microsoft.com/office/drawing/2014/main" id="{016066EE-816C-4EFA-82D4-2098EBC34CBC}"/>
+                <a16:creationId xmlns:a16="http://schemas.microsoft.com/office/drawing/2014/main" id="{C5615A81-46D3-4A2E-9955-16DDBA73F9C9}"/>
               </a:ext>
             </a:extLst>
           </p:cNvPr>
@@ -6121,126 +6124,66 @@
             <p:ph idx="1"/>
           </p:nvPr>
         </p:nvSpPr>
-        <p:spPr/>
+        <p:spPr>
+          <a:xfrm>
+            <a:off x="457200" y="1052736"/>
+            <a:ext cx="8229600" cy="5078189"/>
+          </a:xfrm>
+        </p:spPr>
         <p:txBody>
           <a:bodyPr/>
           <a:lstStyle/>
           <a:p>
-            <a:pPr lvl="1"/>
-            <a:r>
-              <a:rPr lang="en-IN" sz="2800" b="1" dirty="0">
-                <a:latin typeface="Times New Roman" panose="02020603050405020304" pitchFamily="18" charset="0"/>
-                <a:cs typeface="Times New Roman" panose="02020603050405020304" pitchFamily="18" charset="0"/>
-              </a:rPr>
-              <a:t>[1] Face Recognition Based on Convolutional Neural Network</a:t>
-            </a:r>
-          </a:p>
-          <a:p>
-            <a:pPr lvl="2">
-              <a:buFont typeface="Arial" panose="020B0604020202020204" pitchFamily="34" charset="0"/>
-              <a:buChar char="•"/>
-            </a:pPr>
-            <a:r>
-              <a:rPr lang="en-IN" sz="2000" dirty="0">
-                <a:latin typeface="Times New Roman" panose="02020603050405020304" pitchFamily="18" charset="0"/>
-                <a:cs typeface="Times New Roman" panose="02020603050405020304" pitchFamily="18" charset="0"/>
-              </a:rPr>
-              <a:t>A modified CNN architecture by adding</a:t>
-            </a:r>
-            <a:r>
-              <a:rPr lang="en-IN" sz="2000" b="1" dirty="0">
-                <a:latin typeface="Times New Roman" panose="02020603050405020304" pitchFamily="18" charset="0"/>
-                <a:cs typeface="Times New Roman" panose="02020603050405020304" pitchFamily="18" charset="0"/>
-              </a:rPr>
-              <a:t> </a:t>
-            </a:r>
-            <a:r>
-              <a:rPr lang="en-IN" sz="2000" dirty="0">
-                <a:latin typeface="Times New Roman" panose="02020603050405020304" pitchFamily="18" charset="0"/>
-                <a:cs typeface="Times New Roman" panose="02020603050405020304" pitchFamily="18" charset="0"/>
-              </a:rPr>
-              <a:t>two normalization operations to two of the layers </a:t>
-            </a:r>
-          </a:p>
-          <a:p>
-            <a:pPr lvl="2">
-              <a:buFont typeface="Arial" panose="020B0604020202020204" pitchFamily="34" charset="0"/>
-              <a:buChar char="•"/>
-            </a:pPr>
-            <a:r>
-              <a:rPr lang="en-IN" sz="2000" dirty="0">
-                <a:latin typeface="Times New Roman" panose="02020603050405020304" pitchFamily="18" charset="0"/>
-                <a:cs typeface="Times New Roman" panose="02020603050405020304" pitchFamily="18" charset="0"/>
-              </a:rPr>
-              <a:t>The normalization operation used is Batch Normalization</a:t>
-            </a:r>
-          </a:p>
-          <a:p>
-            <a:pPr lvl="2">
-              <a:buFont typeface="Arial" panose="020B0604020202020204" pitchFamily="34" charset="0"/>
-              <a:buChar char="•"/>
-            </a:pPr>
-            <a:r>
-              <a:rPr lang="en-IN" sz="2000" dirty="0">
-                <a:latin typeface="Times New Roman" panose="02020603050405020304" pitchFamily="18" charset="0"/>
-                <a:cs typeface="Times New Roman" panose="02020603050405020304" pitchFamily="18" charset="0"/>
-              </a:rPr>
-              <a:t>The CNN architecture uses </a:t>
-            </a:r>
-            <a:r>
-              <a:rPr lang="en-IN" sz="2000" dirty="0" err="1">
-                <a:latin typeface="Times New Roman" panose="02020603050405020304" pitchFamily="18" charset="0"/>
-                <a:cs typeface="Times New Roman" panose="02020603050405020304" pitchFamily="18" charset="0"/>
-              </a:rPr>
-              <a:t>Softmax</a:t>
-            </a:r>
-            <a:r>
-              <a:rPr lang="en-IN" sz="2000" dirty="0">
-                <a:latin typeface="Times New Roman" panose="02020603050405020304" pitchFamily="18" charset="0"/>
-                <a:cs typeface="Times New Roman" panose="02020603050405020304" pitchFamily="18" charset="0"/>
-              </a:rPr>
-              <a:t> to classify the faces</a:t>
-            </a:r>
-          </a:p>
-          <a:p>
-            <a:pPr lvl="2">
-              <a:buFont typeface="Arial" panose="020B0604020202020204" pitchFamily="34" charset="0"/>
-              <a:buChar char="•"/>
-            </a:pPr>
-            <a:r>
-              <a:rPr lang="en-IN" sz="2000" dirty="0">
-                <a:latin typeface="Times New Roman" panose="02020603050405020304" pitchFamily="18" charset="0"/>
-                <a:cs typeface="Times New Roman" panose="02020603050405020304" pitchFamily="18" charset="0"/>
-              </a:rPr>
-              <a:t>In the experimental part Georgia Tech Database is used</a:t>
-            </a:r>
-          </a:p>
-          <a:p>
-            <a:pPr lvl="2">
-              <a:buFont typeface="Arial" panose="020B0604020202020204" pitchFamily="34" charset="0"/>
-              <a:buChar char="•"/>
-            </a:pPr>
-            <a:r>
-              <a:rPr lang="en-IN" sz="2000" dirty="0">
-                <a:latin typeface="Times New Roman" panose="02020603050405020304" pitchFamily="18" charset="0"/>
-                <a:cs typeface="Times New Roman" panose="02020603050405020304" pitchFamily="18" charset="0"/>
-              </a:rPr>
-              <a:t>An accuracy of about 98.8 is obtained.</a:t>
-            </a:r>
-          </a:p>
-          <a:p>
-            <a:pPr lvl="2">
-              <a:buFont typeface="Arial" panose="020B0604020202020204" pitchFamily="34" charset="0"/>
-              <a:buChar char="•"/>
-            </a:pPr>
-            <a:endParaRPr lang="en-IN" dirty="0"/>
-          </a:p>
-        </p:txBody>
-      </p:sp>
+            <a:r>
+              <a:rPr lang="en-IN" sz="2800" dirty="0">
+                <a:latin typeface="Times New Roman" panose="02020603050405020304" pitchFamily="18" charset="0"/>
+                <a:cs typeface="Times New Roman" panose="02020603050405020304" pitchFamily="18" charset="0"/>
+              </a:rPr>
+              <a:t>Convolutional Neural Network:</a:t>
+            </a:r>
+          </a:p>
+        </p:txBody>
+      </p:sp>
+      <p:pic>
+        <p:nvPicPr>
+          <p:cNvPr id="14" name="Picture 13">
+            <a:extLst>
+              <a:ext uri="{FF2B5EF4-FFF2-40B4-BE49-F238E27FC236}">
+                <a16:creationId xmlns:a16="http://schemas.microsoft.com/office/drawing/2014/main" id="{2BC0F4B0-D43D-44D4-BCF5-CD0386AAECF3}"/>
+              </a:ext>
+            </a:extLst>
+          </p:cNvPr>
+          <p:cNvPicPr>
+            <a:picLocks noChangeAspect="1"/>
+          </p:cNvPicPr>
+          <p:nvPr/>
+        </p:nvPicPr>
+        <p:blipFill>
+          <a:blip r:embed="rId2">
+            <a:extLst>
+              <a:ext uri="{28A0092B-C50C-407E-A947-70E740481C1C}">
+                <a14:useLocalDpi xmlns:a14="http://schemas.microsoft.com/office/drawing/2010/main" val="0"/>
+              </a:ext>
+            </a:extLst>
+          </a:blip>
+          <a:stretch>
+            <a:fillRect/>
+          </a:stretch>
+        </p:blipFill>
+        <p:spPr>
+          <a:xfrm>
+            <a:off x="871537" y="2233612"/>
+            <a:ext cx="7400925" cy="2707556"/>
+          </a:xfrm>
+          <a:prstGeom prst="rect">
+            <a:avLst/>
+          </a:prstGeom>
+        </p:spPr>
+      </p:pic>
     </p:spTree>
     <p:extLst>
       <p:ext uri="{BB962C8B-B14F-4D97-AF65-F5344CB8AC3E}">
-        <p14:creationId xmlns:p14="http://schemas.microsoft.com/office/powerpoint/2010/main" val="3747084925"/>
+        <p14:creationId xmlns:p14="http://schemas.microsoft.com/office/powerpoint/2010/main" val="2078928826"/>
       </p:ext>
     </p:extLst>
   </p:cSld>
@@ -6284,7 +6227,7 @@
           <p:cNvPr id="2" name="Title 1">
             <a:extLst>
               <a:ext uri="{FF2B5EF4-FFF2-40B4-BE49-F238E27FC236}">
-                <a16:creationId xmlns:a16="http://schemas.microsoft.com/office/drawing/2014/main" id="{B558E350-2B07-446E-B44E-0DB72D795706}"/>
+                <a16:creationId xmlns:a16="http://schemas.microsoft.com/office/drawing/2014/main" id="{F2F5BBE9-45E5-419A-A9FF-2691EDC54A18}"/>
               </a:ext>
             </a:extLst>
           </p:cNvPr>
@@ -6302,7 +6245,7 @@
           <a:p>
             <a:r>
               <a:rPr lang="en-IN" dirty="0"/>
-              <a:t>Literature Survey</a:t>
+              <a:t>Planning</a:t>
             </a:r>
           </a:p>
         </p:txBody>
@@ -6312,7 +6255,7 @@
           <p:cNvPr id="3" name="Content Placeholder 2">
             <a:extLst>
               <a:ext uri="{FF2B5EF4-FFF2-40B4-BE49-F238E27FC236}">
-                <a16:creationId xmlns:a16="http://schemas.microsoft.com/office/drawing/2014/main" id="{78BFD0A3-67F5-41EB-B692-03DCAAE51F10}"/>
+                <a16:creationId xmlns:a16="http://schemas.microsoft.com/office/drawing/2014/main" id="{A010BA7D-ED7A-4DF7-8C91-1AAC0375C4FA}"/>
               </a:ext>
             </a:extLst>
           </p:cNvPr>
@@ -6325,113 +6268,120 @@
         </p:nvSpPr>
         <p:spPr>
           <a:xfrm>
-            <a:off x="457200" y="1417638"/>
-            <a:ext cx="8229600" cy="4530725"/>
+            <a:off x="435253" y="1052736"/>
+            <a:ext cx="8385219" cy="4896544"/>
           </a:xfrm>
         </p:spPr>
         <p:txBody>
           <a:bodyPr/>
           <a:lstStyle/>
           <a:p>
-            <a:r>
-              <a:rPr lang="en-IN" sz="2800" b="1" dirty="0">
-                <a:latin typeface="Times New Roman" panose="02020603050405020304" pitchFamily="18" charset="0"/>
-                <a:cs typeface="Times New Roman" panose="02020603050405020304" pitchFamily="18" charset="0"/>
-              </a:rPr>
-              <a:t>[2] Illumination Invariant Face Recognition using Convolutional Neural Networks</a:t>
-            </a:r>
-          </a:p>
-          <a:p>
-            <a:pPr lvl="1"/>
-            <a:r>
-              <a:rPr lang="en-IN" sz="2000" dirty="0">
-                <a:latin typeface="Times New Roman" panose="02020603050405020304" pitchFamily="18" charset="0"/>
-                <a:cs typeface="Times New Roman" panose="02020603050405020304" pitchFamily="18" charset="0"/>
-              </a:rPr>
-              <a:t>The problem of face recognition under non-uniform illumination using deep convolutional neural networks (CNN) is addressed</a:t>
-            </a:r>
-          </a:p>
-          <a:p>
-            <a:pPr lvl="1"/>
-            <a:r>
-              <a:rPr lang="en-IN" sz="2000" dirty="0">
-                <a:latin typeface="Times New Roman" panose="02020603050405020304" pitchFamily="18" charset="0"/>
-                <a:cs typeface="Times New Roman" panose="02020603050405020304" pitchFamily="18" charset="0"/>
-              </a:rPr>
-              <a:t>The symmetry of facial information is exploited to improve the performance of the system by considering the horizontal reflections of the facial images</a:t>
-            </a:r>
-          </a:p>
-          <a:p>
-            <a:pPr lvl="1"/>
-            <a:r>
-              <a:rPr lang="en-IN" sz="2000" dirty="0">
-                <a:latin typeface="Times New Roman" panose="02020603050405020304" pitchFamily="18" charset="0"/>
-                <a:cs typeface="Times New Roman" panose="02020603050405020304" pitchFamily="18" charset="0"/>
-              </a:rPr>
-              <a:t>Experiments conducted on Yale facial image dataset demonstrate the efficiency of the proposed approach</a:t>
-            </a:r>
-          </a:p>
-          <a:p>
-            <a:pPr lvl="1"/>
-            <a:r>
-              <a:rPr lang="en-IN" sz="2000" dirty="0">
-                <a:latin typeface="Times New Roman" panose="02020603050405020304" pitchFamily="18" charset="0"/>
-                <a:cs typeface="Times New Roman" panose="02020603050405020304" pitchFamily="18" charset="0"/>
-              </a:rPr>
-              <a:t>Fuzzy </a:t>
-            </a:r>
-            <a:r>
-              <a:rPr lang="en-IN" sz="2000" dirty="0" err="1">
-                <a:latin typeface="Times New Roman" panose="02020603050405020304" pitchFamily="18" charset="0"/>
-                <a:cs typeface="Times New Roman" panose="02020603050405020304" pitchFamily="18" charset="0"/>
-              </a:rPr>
-              <a:t>fischer</a:t>
-            </a:r>
-            <a:r>
-              <a:rPr lang="en-IN" sz="2000" dirty="0">
-                <a:latin typeface="Times New Roman" panose="02020603050405020304" pitchFamily="18" charset="0"/>
-                <a:cs typeface="Times New Roman" panose="02020603050405020304" pitchFamily="18" charset="0"/>
-              </a:rPr>
-              <a:t> approach was used in this problem</a:t>
-            </a:r>
-          </a:p>
-          <a:p>
-            <a:pPr lvl="1"/>
-            <a:r>
-              <a:rPr lang="en-IN" sz="1800" dirty="0">
-                <a:latin typeface="Times New Roman" panose="02020603050405020304" pitchFamily="18" charset="0"/>
-                <a:cs typeface="Times New Roman" panose="02020603050405020304" pitchFamily="18" charset="0"/>
-              </a:rPr>
-              <a:t>Near infrared (NIR) has the potential to overcome the problems associated with visible and thermal IR face recognition which is more robust against illumination variations and face detection</a:t>
-            </a:r>
-          </a:p>
-          <a:p>
-            <a:pPr lvl="1"/>
-            <a:endParaRPr lang="en-IN" sz="2000" dirty="0">
+            <a:pPr marL="0" indent="0">
+              <a:buNone/>
+            </a:pPr>
+            <a:r>
+              <a:rPr lang="en-IN" sz="2800" dirty="0">
+                <a:latin typeface="Times New Roman" panose="02020603050405020304" pitchFamily="18" charset="0"/>
+                <a:cs typeface="Times New Roman" panose="02020603050405020304" pitchFamily="18" charset="0"/>
+              </a:rPr>
+              <a:t>  1 : Data Collection</a:t>
+            </a:r>
+            <a:br>
+              <a:rPr lang="en-IN" sz="2800" dirty="0">
+                <a:latin typeface="Times New Roman" panose="02020603050405020304" pitchFamily="18" charset="0"/>
+                <a:cs typeface="Times New Roman" panose="02020603050405020304" pitchFamily="18" charset="0"/>
+              </a:rPr>
+            </a:br>
+            <a:r>
+              <a:rPr lang="en-IN" sz="2800" dirty="0">
+                <a:latin typeface="Times New Roman" panose="02020603050405020304" pitchFamily="18" charset="0"/>
+                <a:cs typeface="Times New Roman" panose="02020603050405020304" pitchFamily="18" charset="0"/>
+              </a:rPr>
+              <a:t>  </a:t>
+            </a:r>
+            <a:br>
+              <a:rPr lang="en-IN" sz="2800" dirty="0">
+                <a:latin typeface="Times New Roman" panose="02020603050405020304" pitchFamily="18" charset="0"/>
+                <a:cs typeface="Times New Roman" panose="02020603050405020304" pitchFamily="18" charset="0"/>
+              </a:rPr>
+            </a:br>
+            <a:r>
+              <a:rPr lang="en-IN" sz="2800" dirty="0">
+                <a:latin typeface="Times New Roman" panose="02020603050405020304" pitchFamily="18" charset="0"/>
+                <a:cs typeface="Times New Roman" panose="02020603050405020304" pitchFamily="18" charset="0"/>
+              </a:rPr>
+              <a:t>  2 : Data Cleaning and Exploratory Data Analysis</a:t>
+            </a:r>
+          </a:p>
+          <a:p>
+            <a:pPr marL="0" indent="0">
+              <a:buNone/>
+            </a:pPr>
+            <a:endParaRPr lang="en-IN" sz="2800" dirty="0">
               <a:latin typeface="Times New Roman" panose="02020603050405020304" pitchFamily="18" charset="0"/>
               <a:cs typeface="Times New Roman" panose="02020603050405020304" pitchFamily="18" charset="0"/>
             </a:endParaRPr>
           </a:p>
           <a:p>
-            <a:pPr lvl="1"/>
-            <a:endParaRPr lang="en-IN" sz="2000" dirty="0">
+            <a:pPr marL="0" indent="0">
+              <a:buNone/>
+            </a:pPr>
+            <a:r>
+              <a:rPr lang="en-IN" sz="2800" dirty="0">
+                <a:latin typeface="Times New Roman" panose="02020603050405020304" pitchFamily="18" charset="0"/>
+                <a:cs typeface="Times New Roman" panose="02020603050405020304" pitchFamily="18" charset="0"/>
+              </a:rPr>
+              <a:t>  3 : Model building, training and hyperparameter tuning</a:t>
+            </a:r>
+          </a:p>
+          <a:p>
+            <a:pPr marL="0" indent="0">
+              <a:buNone/>
+            </a:pPr>
+            <a:endParaRPr lang="en-IN" sz="2800" dirty="0">
               <a:latin typeface="Times New Roman" panose="02020603050405020304" pitchFamily="18" charset="0"/>
               <a:cs typeface="Times New Roman" panose="02020603050405020304" pitchFamily="18" charset="0"/>
             </a:endParaRPr>
           </a:p>
           <a:p>
-            <a:pPr lvl="1"/>
-            <a:endParaRPr lang="en-IN" sz="1200" dirty="0">
+            <a:pPr marL="0" indent="0">
+              <a:buNone/>
+            </a:pPr>
+            <a:r>
+              <a:rPr lang="en-IN" sz="2800" dirty="0">
+                <a:latin typeface="Times New Roman" panose="02020603050405020304" pitchFamily="18" charset="0"/>
+                <a:cs typeface="Times New Roman" panose="02020603050405020304" pitchFamily="18" charset="0"/>
+              </a:rPr>
+              <a:t>  4 : Developing Web Application</a:t>
+            </a:r>
+          </a:p>
+          <a:p>
+            <a:pPr marL="0" indent="0">
+              <a:buNone/>
+            </a:pPr>
+            <a:endParaRPr lang="en-IN" sz="2800" dirty="0">
               <a:latin typeface="Times New Roman" panose="02020603050405020304" pitchFamily="18" charset="0"/>
               <a:cs typeface="Times New Roman" panose="02020603050405020304" pitchFamily="18" charset="0"/>
             </a:endParaRPr>
           </a:p>
+          <a:p>
+            <a:pPr marL="0" indent="0">
+              <a:buNone/>
+            </a:pPr>
+            <a:r>
+              <a:rPr lang="en-IN" sz="2800" dirty="0">
+                <a:latin typeface="Times New Roman" panose="02020603050405020304" pitchFamily="18" charset="0"/>
+                <a:cs typeface="Times New Roman" panose="02020603050405020304" pitchFamily="18" charset="0"/>
+              </a:rPr>
+              <a:t>  5 : Documentation and Publication</a:t>
+            </a:r>
+          </a:p>
         </p:txBody>
       </p:sp>
     </p:spTree>
     <p:extLst>
       <p:ext uri="{BB962C8B-B14F-4D97-AF65-F5344CB8AC3E}">
-        <p14:creationId xmlns:p14="http://schemas.microsoft.com/office/powerpoint/2010/main" val="2759623700"/>
+        <p14:creationId xmlns:p14="http://schemas.microsoft.com/office/powerpoint/2010/main" val="1747556373"/>
       </p:ext>
     </p:extLst>
   </p:cSld>
@@ -6475,7 +6425,7 @@
           <p:cNvPr id="2" name="Title 1">
             <a:extLst>
               <a:ext uri="{FF2B5EF4-FFF2-40B4-BE49-F238E27FC236}">
-                <a16:creationId xmlns:a16="http://schemas.microsoft.com/office/drawing/2014/main" id="{B9C922B0-ED97-4492-8D26-4B860ED9E4F1}"/>
+                <a16:creationId xmlns:a16="http://schemas.microsoft.com/office/drawing/2014/main" id="{881C11F5-BA41-46DB-AB46-D5B72B708534}"/>
               </a:ext>
             </a:extLst>
           </p:cNvPr>
@@ -6503,7 +6453,7 @@
           <p:cNvPr id="3" name="Content Placeholder 2">
             <a:extLst>
               <a:ext uri="{FF2B5EF4-FFF2-40B4-BE49-F238E27FC236}">
-                <a16:creationId xmlns:a16="http://schemas.microsoft.com/office/drawing/2014/main" id="{25360A2B-BDB7-4E55-95DD-526AB575C564}"/>
+                <a16:creationId xmlns:a16="http://schemas.microsoft.com/office/drawing/2014/main" id="{016066EE-816C-4EFA-82D4-2098EBC34CBC}"/>
               </a:ext>
             </a:extLst>
           </p:cNvPr>
@@ -6519,71 +6469,166 @@
           <a:bodyPr/>
           <a:lstStyle/>
           <a:p>
+            <a:pPr lvl="1"/>
             <a:r>
               <a:rPr lang="en-IN" sz="2800" b="1" dirty="0">
                 <a:latin typeface="Times New Roman" panose="02020603050405020304" pitchFamily="18" charset="0"/>
                 <a:cs typeface="Times New Roman" panose="02020603050405020304" pitchFamily="18" charset="0"/>
               </a:rPr>
-              <a:t>[3] A Convolutional Neural Network based on              	TensorFlow for Face Recognition</a:t>
-            </a:r>
-          </a:p>
-          <a:p>
-            <a:pPr lvl="1"/>
+              <a:t>[1] Face Recognition Based on Convolutional Neural Network</a:t>
+            </a:r>
+          </a:p>
+          <a:p>
+            <a:pPr lvl="2">
+              <a:buFont typeface="Arial" panose="020B0604020202020204" pitchFamily="34" charset="0"/>
+              <a:buChar char="•"/>
+            </a:pPr>
             <a:r>
               <a:rPr lang="en-IN" sz="2000" dirty="0">
                 <a:latin typeface="Times New Roman" panose="02020603050405020304" pitchFamily="18" charset="0"/>
                 <a:cs typeface="Times New Roman" panose="02020603050405020304" pitchFamily="18" charset="0"/>
               </a:rPr>
-              <a:t>A Convolutional Neural Network (CNN) based on TensorFlow, an open source deep learning framework, is proposed for face recognition</a:t>
-            </a:r>
-          </a:p>
-          <a:p>
-            <a:pPr lvl="1"/>
+              <a:t>A modified CNN architecture by adding</a:t>
+            </a:r>
+            <a:r>
+              <a:rPr lang="en-IN" sz="2000" b="1" dirty="0">
+                <a:latin typeface="Times New Roman" panose="02020603050405020304" pitchFamily="18" charset="0"/>
+                <a:cs typeface="Times New Roman" panose="02020603050405020304" pitchFamily="18" charset="0"/>
+              </a:rPr>
+              <a:t> </a:t>
+            </a:r>
             <a:r>
               <a:rPr lang="en-IN" sz="2000" dirty="0">
                 <a:latin typeface="Times New Roman" panose="02020603050405020304" pitchFamily="18" charset="0"/>
                 <a:cs typeface="Times New Roman" panose="02020603050405020304" pitchFamily="18" charset="0"/>
               </a:rPr>
-              <a:t>Experimental results show that the proposed method has better recognition accuracy and higher robustness in complex environment</a:t>
-            </a:r>
-          </a:p>
-          <a:p>
-            <a:pPr lvl="1"/>
+              <a:t>two normalization operations to two of the layers </a:t>
+            </a:r>
+          </a:p>
+          <a:p>
+            <a:pPr lvl="2">
+              <a:buFont typeface="Arial" panose="020B0604020202020204" pitchFamily="34" charset="0"/>
+              <a:buChar char="•"/>
+            </a:pPr>
             <a:r>
               <a:rPr lang="en-IN" sz="2000" dirty="0">
                 <a:latin typeface="Times New Roman" panose="02020603050405020304" pitchFamily="18" charset="0"/>
                 <a:cs typeface="Times New Roman" panose="02020603050405020304" pitchFamily="18" charset="0"/>
               </a:rPr>
-              <a:t>They have used </a:t>
+              <a:t>The normalization operation used is Batch Normalization</a:t>
+            </a:r>
+          </a:p>
+          <a:p>
+            <a:pPr lvl="2">
+              <a:buFont typeface="Arial" panose="020B0604020202020204" pitchFamily="34" charset="0"/>
+              <a:buChar char="•"/>
+            </a:pPr>
+            <a:r>
+              <a:rPr lang="en-IN" sz="2000" dirty="0">
+                <a:latin typeface="Times New Roman" panose="02020603050405020304" pitchFamily="18" charset="0"/>
+                <a:cs typeface="Times New Roman" panose="02020603050405020304" pitchFamily="18" charset="0"/>
+              </a:rPr>
+              <a:t>The CNN architecture uses </a:t>
             </a:r>
             <a:r>
               <a:rPr lang="en-IN" sz="2000" dirty="0" err="1">
                 <a:latin typeface="Times New Roman" panose="02020603050405020304" pitchFamily="18" charset="0"/>
                 <a:cs typeface="Times New Roman" panose="02020603050405020304" pitchFamily="18" charset="0"/>
               </a:rPr>
-              <a:t>Adaboost</a:t>
+              <a:t>Softmax</a:t>
             </a:r>
             <a:r>
               <a:rPr lang="en-IN" sz="2000" dirty="0">
                 <a:latin typeface="Times New Roman" panose="02020603050405020304" pitchFamily="18" charset="0"/>
                 <a:cs typeface="Times New Roman" panose="02020603050405020304" pitchFamily="18" charset="0"/>
               </a:rPr>
-              <a:t> algorithm</a:t>
-            </a:r>
-          </a:p>
-          <a:p>
-            <a:pPr lvl="1"/>
-            <a:endParaRPr lang="en-IN" sz="2000" dirty="0">
-              <a:latin typeface="Times New Roman" panose="02020603050405020304" pitchFamily="18" charset="0"/>
-              <a:cs typeface="Times New Roman" panose="02020603050405020304" pitchFamily="18" charset="0"/>
-            </a:endParaRPr>
+              <a:t> to classify the faces</a:t>
+            </a:r>
+          </a:p>
+          <a:p>
+            <a:pPr lvl="2">
+              <a:buFont typeface="Arial" panose="020B0604020202020204" pitchFamily="34" charset="0"/>
+              <a:buChar char="•"/>
+            </a:pPr>
+            <a:r>
+              <a:rPr lang="en-IN" sz="2000" dirty="0">
+                <a:latin typeface="Times New Roman" panose="02020603050405020304" pitchFamily="18" charset="0"/>
+                <a:cs typeface="Times New Roman" panose="02020603050405020304" pitchFamily="18" charset="0"/>
+              </a:rPr>
+              <a:t>In the experimental part Georgia Tech Database is used</a:t>
+            </a:r>
+          </a:p>
+          <a:p>
+            <a:pPr lvl="2">
+              <a:buFont typeface="Arial" panose="020B0604020202020204" pitchFamily="34" charset="0"/>
+              <a:buChar char="•"/>
+            </a:pPr>
+            <a:r>
+              <a:rPr lang="en-IN" sz="2000" dirty="0">
+                <a:latin typeface="Times New Roman" panose="02020603050405020304" pitchFamily="18" charset="0"/>
+                <a:cs typeface="Times New Roman" panose="02020603050405020304" pitchFamily="18" charset="0"/>
+              </a:rPr>
+              <a:t>An accuracy of about 98.8 is obtained.</a:t>
+            </a:r>
+          </a:p>
+          <a:p>
+            <a:pPr marL="671512" lvl="2" indent="0">
+              <a:buNone/>
+            </a:pPr>
+            <a:r>
+              <a:rPr lang="en-US" sz="2400" dirty="0" err="1">
+                <a:solidFill>
+                  <a:srgbClr val="C00000"/>
+                </a:solidFill>
+                <a:latin typeface="Times New Roman" panose="02020603050405020304" pitchFamily="18" charset="0"/>
+                <a:cs typeface="Times New Roman" panose="02020603050405020304" pitchFamily="18" charset="0"/>
+              </a:rPr>
+              <a:t>Coşkun</a:t>
+            </a:r>
+            <a:r>
+              <a:rPr lang="en-US" sz="2400" dirty="0">
+                <a:solidFill>
+                  <a:srgbClr val="C00000"/>
+                </a:solidFill>
+                <a:latin typeface="Times New Roman" panose="02020603050405020304" pitchFamily="18" charset="0"/>
+                <a:cs typeface="Times New Roman" panose="02020603050405020304" pitchFamily="18" charset="0"/>
+              </a:rPr>
+              <a:t>, Musab, et al. "Face recognition based on convolutional neural network." </a:t>
+            </a:r>
+            <a:r>
+              <a:rPr lang="en-US" sz="2400" i="1" dirty="0">
+                <a:solidFill>
+                  <a:srgbClr val="C00000"/>
+                </a:solidFill>
+                <a:latin typeface="Times New Roman" panose="02020603050405020304" pitchFamily="18" charset="0"/>
+                <a:cs typeface="Times New Roman" panose="02020603050405020304" pitchFamily="18" charset="0"/>
+              </a:rPr>
+              <a:t>2017 International Conference on Modern Electrical and Energy Systems (MEES)</a:t>
+            </a:r>
+            <a:r>
+              <a:rPr lang="en-US" sz="2400" dirty="0">
+                <a:solidFill>
+                  <a:srgbClr val="C00000"/>
+                </a:solidFill>
+                <a:latin typeface="Times New Roman" panose="02020603050405020304" pitchFamily="18" charset="0"/>
+                <a:cs typeface="Times New Roman" panose="02020603050405020304" pitchFamily="18" charset="0"/>
+              </a:rPr>
+              <a:t>. IEEE, 2017.</a:t>
+            </a:r>
+          </a:p>
+          <a:p>
+            <a:pPr lvl="2">
+              <a:buFont typeface="Arial" panose="020B0604020202020204" pitchFamily="34" charset="0"/>
+              <a:buChar char="•"/>
+            </a:pPr>
+            <a:endParaRPr lang="en-IN" dirty="0"/>
           </a:p>
         </p:txBody>
       </p:sp>
     </p:spTree>
     <p:extLst>
       <p:ext uri="{BB962C8B-B14F-4D97-AF65-F5344CB8AC3E}">
-        <p14:creationId xmlns:p14="http://schemas.microsoft.com/office/powerpoint/2010/main" val="1685616120"/>
+        <p14:creationId xmlns:p14="http://schemas.microsoft.com/office/powerpoint/2010/main" val="3747084925"/>
       </p:ext>
     </p:extLst>
   </p:cSld>
@@ -6627,6 +6672,597 @@
           <p:cNvPr id="2" name="Title 1">
             <a:extLst>
               <a:ext uri="{FF2B5EF4-FFF2-40B4-BE49-F238E27FC236}">
+                <a16:creationId xmlns:a16="http://schemas.microsoft.com/office/drawing/2014/main" id="{B558E350-2B07-446E-B44E-0DB72D795706}"/>
+              </a:ext>
+            </a:extLst>
+          </p:cNvPr>
+          <p:cNvSpPr>
+            <a:spLocks noGrp="1"/>
+          </p:cNvSpPr>
+          <p:nvPr>
+            <p:ph type="title"/>
+          </p:nvPr>
+        </p:nvSpPr>
+        <p:spPr/>
+        <p:txBody>
+          <a:bodyPr/>
+          <a:lstStyle/>
+          <a:p>
+            <a:r>
+              <a:rPr lang="en-IN" dirty="0"/>
+              <a:t>Literature Survey</a:t>
+            </a:r>
+          </a:p>
+        </p:txBody>
+      </p:sp>
+      <p:sp>
+        <p:nvSpPr>
+          <p:cNvPr id="3" name="Content Placeholder 2">
+            <a:extLst>
+              <a:ext uri="{FF2B5EF4-FFF2-40B4-BE49-F238E27FC236}">
+                <a16:creationId xmlns:a16="http://schemas.microsoft.com/office/drawing/2014/main" id="{78BFD0A3-67F5-41EB-B692-03DCAAE51F10}"/>
+              </a:ext>
+            </a:extLst>
+          </p:cNvPr>
+          <p:cNvSpPr>
+            <a:spLocks noGrp="1"/>
+          </p:cNvSpPr>
+          <p:nvPr>
+            <p:ph idx="1"/>
+          </p:nvPr>
+        </p:nvSpPr>
+        <p:spPr>
+          <a:xfrm>
+            <a:off x="457200" y="1417638"/>
+            <a:ext cx="8229600" cy="4530725"/>
+          </a:xfrm>
+        </p:spPr>
+        <p:txBody>
+          <a:bodyPr/>
+          <a:lstStyle/>
+          <a:p>
+            <a:r>
+              <a:rPr lang="en-IN" sz="2800" b="1" dirty="0">
+                <a:latin typeface="Times New Roman" panose="02020603050405020304" pitchFamily="18" charset="0"/>
+                <a:cs typeface="Times New Roman" panose="02020603050405020304" pitchFamily="18" charset="0"/>
+              </a:rPr>
+              <a:t>[2] Illumination Invariant Face Recognition using Convolutional Neural Networks</a:t>
+            </a:r>
+          </a:p>
+          <a:p>
+            <a:pPr lvl="1"/>
+            <a:r>
+              <a:rPr lang="en-IN" sz="2000" dirty="0">
+                <a:latin typeface="Times New Roman" panose="02020603050405020304" pitchFamily="18" charset="0"/>
+                <a:cs typeface="Times New Roman" panose="02020603050405020304" pitchFamily="18" charset="0"/>
+              </a:rPr>
+              <a:t>The problem of face recognition under non-uniform illumination using deep convolutional neural networks (CNN) is addressed</a:t>
+            </a:r>
+          </a:p>
+          <a:p>
+            <a:pPr lvl="1"/>
+            <a:r>
+              <a:rPr lang="en-IN" sz="2000" dirty="0">
+                <a:latin typeface="Times New Roman" panose="02020603050405020304" pitchFamily="18" charset="0"/>
+                <a:cs typeface="Times New Roman" panose="02020603050405020304" pitchFamily="18" charset="0"/>
+              </a:rPr>
+              <a:t>The symmetry of facial information is exploited to improve the performance of the system by considering the horizontal reflections of the facial images</a:t>
+            </a:r>
+          </a:p>
+          <a:p>
+            <a:pPr lvl="1"/>
+            <a:r>
+              <a:rPr lang="en-IN" sz="2000" dirty="0">
+                <a:latin typeface="Times New Roman" panose="02020603050405020304" pitchFamily="18" charset="0"/>
+                <a:cs typeface="Times New Roman" panose="02020603050405020304" pitchFamily="18" charset="0"/>
+              </a:rPr>
+              <a:t>Experiments conducted on Yale facial image dataset demonstrate the efficiency of the proposed approach</a:t>
+            </a:r>
+          </a:p>
+          <a:p>
+            <a:pPr lvl="1"/>
+            <a:r>
+              <a:rPr lang="en-IN" sz="2000" dirty="0">
+                <a:latin typeface="Times New Roman" panose="02020603050405020304" pitchFamily="18" charset="0"/>
+                <a:cs typeface="Times New Roman" panose="02020603050405020304" pitchFamily="18" charset="0"/>
+              </a:rPr>
+              <a:t>Fuzzy </a:t>
+            </a:r>
+            <a:r>
+              <a:rPr lang="en-IN" sz="2000" dirty="0" err="1">
+                <a:latin typeface="Times New Roman" panose="02020603050405020304" pitchFamily="18" charset="0"/>
+                <a:cs typeface="Times New Roman" panose="02020603050405020304" pitchFamily="18" charset="0"/>
+              </a:rPr>
+              <a:t>fischer</a:t>
+            </a:r>
+            <a:r>
+              <a:rPr lang="en-IN" sz="2000" dirty="0">
+                <a:latin typeface="Times New Roman" panose="02020603050405020304" pitchFamily="18" charset="0"/>
+                <a:cs typeface="Times New Roman" panose="02020603050405020304" pitchFamily="18" charset="0"/>
+              </a:rPr>
+              <a:t> approach was used in this problem</a:t>
+            </a:r>
+          </a:p>
+          <a:p>
+            <a:pPr lvl="1"/>
+            <a:r>
+              <a:rPr lang="en-IN" sz="1800" dirty="0">
+                <a:latin typeface="Times New Roman" panose="02020603050405020304" pitchFamily="18" charset="0"/>
+                <a:cs typeface="Times New Roman" panose="02020603050405020304" pitchFamily="18" charset="0"/>
+              </a:rPr>
+              <a:t>Near infrared (NIR) has the potential to overcome the problems associated with visible and thermal IR face recognition which is more robust against illumination variations and face detection</a:t>
+            </a:r>
+          </a:p>
+          <a:p>
+            <a:pPr lvl="1"/>
+            <a:endParaRPr lang="en-IN" sz="2000" dirty="0">
+              <a:latin typeface="Times New Roman" panose="02020603050405020304" pitchFamily="18" charset="0"/>
+              <a:cs typeface="Times New Roman" panose="02020603050405020304" pitchFamily="18" charset="0"/>
+            </a:endParaRPr>
+          </a:p>
+          <a:p>
+            <a:pPr lvl="1"/>
+            <a:endParaRPr lang="en-IN" sz="2000" dirty="0">
+              <a:latin typeface="Times New Roman" panose="02020603050405020304" pitchFamily="18" charset="0"/>
+              <a:cs typeface="Times New Roman" panose="02020603050405020304" pitchFamily="18" charset="0"/>
+            </a:endParaRPr>
+          </a:p>
+          <a:p>
+            <a:pPr lvl="1"/>
+            <a:endParaRPr lang="en-IN" sz="1200" dirty="0">
+              <a:latin typeface="Times New Roman" panose="02020603050405020304" pitchFamily="18" charset="0"/>
+              <a:cs typeface="Times New Roman" panose="02020603050405020304" pitchFamily="18" charset="0"/>
+            </a:endParaRPr>
+          </a:p>
+        </p:txBody>
+      </p:sp>
+    </p:spTree>
+    <p:extLst>
+      <p:ext uri="{BB962C8B-B14F-4D97-AF65-F5344CB8AC3E}">
+        <p14:creationId xmlns:p14="http://schemas.microsoft.com/office/powerpoint/2010/main" val="2759623700"/>
+      </p:ext>
+    </p:extLst>
+  </p:cSld>
+  <p:clrMapOvr>
+    <a:masterClrMapping/>
+  </p:clrMapOvr>
+  <mc:AlternateContent xmlns:mc="http://schemas.openxmlformats.org/markup-compatibility/2006" xmlns:p14="http://schemas.microsoft.com/office/powerpoint/2010/main">
+    <mc:Choice Requires="p14">
+      <p:transition spd="slow" p14:dur="1600">
+        <p14:gallery dir="l"/>
+      </p:transition>
+    </mc:Choice>
+    <mc:Fallback xmlns="">
+      <p:transition spd="slow">
+        <p:fade/>
+      </p:transition>
+    </mc:Fallback>
+  </mc:AlternateContent>
+</p:sld>
+</file>
+
+<file path=ppt/slides/slide14.xml><?xml version="1.0" encoding="utf-8"?>
+<p:sld xmlns:a="http://schemas.openxmlformats.org/drawingml/2006/main" xmlns:r="http://schemas.openxmlformats.org/officeDocument/2006/relationships" xmlns:p="http://schemas.openxmlformats.org/presentationml/2006/main">
+  <p:cSld>
+    <p:spTree>
+      <p:nvGrpSpPr>
+        <p:cNvPr id="1" name=""/>
+        <p:cNvGrpSpPr/>
+        <p:nvPr/>
+      </p:nvGrpSpPr>
+      <p:grpSpPr>
+        <a:xfrm>
+          <a:off x="0" y="0"/>
+          <a:ext cx="0" cy="0"/>
+          <a:chOff x="0" y="0"/>
+          <a:chExt cx="0" cy="0"/>
+        </a:xfrm>
+      </p:grpSpPr>
+      <p:sp>
+        <p:nvSpPr>
+          <p:cNvPr id="2" name="Title 1">
+            <a:extLst>
+              <a:ext uri="{FF2B5EF4-FFF2-40B4-BE49-F238E27FC236}">
+                <a16:creationId xmlns:a16="http://schemas.microsoft.com/office/drawing/2014/main" id="{83DFD152-CBD5-4CB7-A70A-D519CE32774B}"/>
+              </a:ext>
+            </a:extLst>
+          </p:cNvPr>
+          <p:cNvSpPr>
+            <a:spLocks noGrp="1"/>
+          </p:cNvSpPr>
+          <p:nvPr>
+            <p:ph type="title"/>
+          </p:nvPr>
+        </p:nvSpPr>
+        <p:spPr/>
+        <p:txBody>
+          <a:bodyPr/>
+          <a:lstStyle/>
+          <a:p>
+            <a:r>
+              <a:rPr lang="en-IN" dirty="0"/>
+              <a:t>Literature Survey</a:t>
+            </a:r>
+          </a:p>
+        </p:txBody>
+      </p:sp>
+      <p:sp>
+        <p:nvSpPr>
+          <p:cNvPr id="3" name="Content Placeholder 2">
+            <a:extLst>
+              <a:ext uri="{FF2B5EF4-FFF2-40B4-BE49-F238E27FC236}">
+                <a16:creationId xmlns:a16="http://schemas.microsoft.com/office/drawing/2014/main" id="{7B4467A0-24B8-483F-A864-1459D843B8CD}"/>
+              </a:ext>
+            </a:extLst>
+          </p:cNvPr>
+          <p:cNvSpPr>
+            <a:spLocks noGrp="1"/>
+          </p:cNvSpPr>
+          <p:nvPr>
+            <p:ph idx="1"/>
+          </p:nvPr>
+        </p:nvSpPr>
+        <p:spPr/>
+        <p:txBody>
+          <a:bodyPr/>
+          <a:lstStyle/>
+          <a:p>
+            <a:pPr marL="0" indent="0" algn="just">
+              <a:buNone/>
+            </a:pPr>
+            <a:r>
+              <a:rPr lang="en-IN" sz="2000" dirty="0">
+                <a:solidFill>
+                  <a:srgbClr val="C00000"/>
+                </a:solidFill>
+                <a:latin typeface="Times New Roman" panose="02020603050405020304" pitchFamily="18" charset="0"/>
+                <a:cs typeface="Times New Roman" panose="02020603050405020304" pitchFamily="18" charset="0"/>
+              </a:rPr>
+              <a:t>Ramaiah, N. </a:t>
+            </a:r>
+            <a:r>
+              <a:rPr lang="en-IN" sz="2000" dirty="0" err="1">
+                <a:solidFill>
+                  <a:srgbClr val="C00000"/>
+                </a:solidFill>
+                <a:latin typeface="Times New Roman" panose="02020603050405020304" pitchFamily="18" charset="0"/>
+                <a:cs typeface="Times New Roman" panose="02020603050405020304" pitchFamily="18" charset="0"/>
+              </a:rPr>
+              <a:t>Pattabhi</a:t>
+            </a:r>
+            <a:r>
+              <a:rPr lang="en-IN" sz="2000" dirty="0">
+                <a:solidFill>
+                  <a:srgbClr val="C00000"/>
+                </a:solidFill>
+                <a:latin typeface="Times New Roman" panose="02020603050405020304" pitchFamily="18" charset="0"/>
+                <a:cs typeface="Times New Roman" panose="02020603050405020304" pitchFamily="18" charset="0"/>
+              </a:rPr>
+              <a:t>, Earnest Paul </a:t>
+            </a:r>
+            <a:r>
+              <a:rPr lang="en-IN" sz="2000" dirty="0" err="1">
+                <a:solidFill>
+                  <a:srgbClr val="C00000"/>
+                </a:solidFill>
+                <a:latin typeface="Times New Roman" panose="02020603050405020304" pitchFamily="18" charset="0"/>
+                <a:cs typeface="Times New Roman" panose="02020603050405020304" pitchFamily="18" charset="0"/>
+              </a:rPr>
+              <a:t>Ijjina</a:t>
+            </a:r>
+            <a:r>
+              <a:rPr lang="en-IN" sz="2000" dirty="0">
+                <a:solidFill>
+                  <a:srgbClr val="C00000"/>
+                </a:solidFill>
+                <a:latin typeface="Times New Roman" panose="02020603050405020304" pitchFamily="18" charset="0"/>
+                <a:cs typeface="Times New Roman" panose="02020603050405020304" pitchFamily="18" charset="0"/>
+              </a:rPr>
+              <a:t>, and C. Krishna Mohan. "Illumination invariant face recognition using convolutional neural networks." </a:t>
+            </a:r>
+            <a:r>
+              <a:rPr lang="en-IN" sz="2000" i="1" dirty="0">
+                <a:solidFill>
+                  <a:srgbClr val="C00000"/>
+                </a:solidFill>
+                <a:latin typeface="Times New Roman" panose="02020603050405020304" pitchFamily="18" charset="0"/>
+                <a:cs typeface="Times New Roman" panose="02020603050405020304" pitchFamily="18" charset="0"/>
+              </a:rPr>
+              <a:t>2015 IEEE International Conference on Signal Processing, Informatics, Communication and Energy Systems (SPICES)</a:t>
+            </a:r>
+            <a:r>
+              <a:rPr lang="en-IN" sz="2000" dirty="0">
+                <a:solidFill>
+                  <a:srgbClr val="C00000"/>
+                </a:solidFill>
+                <a:latin typeface="Times New Roman" panose="02020603050405020304" pitchFamily="18" charset="0"/>
+                <a:cs typeface="Times New Roman" panose="02020603050405020304" pitchFamily="18" charset="0"/>
+              </a:rPr>
+              <a:t>. IEEE, 2015.</a:t>
+            </a:r>
+          </a:p>
+          <a:p>
+            <a:pPr marL="0" indent="0" algn="just">
+              <a:buNone/>
+            </a:pPr>
+            <a:endParaRPr lang="en-US" sz="2000" dirty="0">
+              <a:latin typeface="Times New Roman" panose="02020603050405020304" pitchFamily="18" charset="0"/>
+              <a:cs typeface="Times New Roman" panose="02020603050405020304" pitchFamily="18" charset="0"/>
+            </a:endParaRPr>
+          </a:p>
+          <a:p>
+            <a:endParaRPr lang="en-IN" sz="2000" dirty="0"/>
+          </a:p>
+        </p:txBody>
+      </p:sp>
+    </p:spTree>
+    <p:extLst>
+      <p:ext uri="{BB962C8B-B14F-4D97-AF65-F5344CB8AC3E}">
+        <p14:creationId xmlns:p14="http://schemas.microsoft.com/office/powerpoint/2010/main" val="2349668677"/>
+      </p:ext>
+    </p:extLst>
+  </p:cSld>
+  <p:clrMapOvr>
+    <a:masterClrMapping/>
+  </p:clrMapOvr>
+  <mc:AlternateContent xmlns:mc="http://schemas.openxmlformats.org/markup-compatibility/2006" xmlns:p14="http://schemas.microsoft.com/office/powerpoint/2010/main">
+    <mc:Choice Requires="p14">
+      <p:transition spd="slow" p14:dur="1600">
+        <p14:gallery dir="l"/>
+      </p:transition>
+    </mc:Choice>
+    <mc:Fallback xmlns="">
+      <p:transition spd="slow">
+        <p:fade/>
+      </p:transition>
+    </mc:Fallback>
+  </mc:AlternateContent>
+</p:sld>
+</file>
+
+<file path=ppt/slides/slide15.xml><?xml version="1.0" encoding="utf-8"?>
+<p:sld xmlns:a="http://schemas.openxmlformats.org/drawingml/2006/main" xmlns:r="http://schemas.openxmlformats.org/officeDocument/2006/relationships" xmlns:p="http://schemas.openxmlformats.org/presentationml/2006/main">
+  <p:cSld>
+    <p:spTree>
+      <p:nvGrpSpPr>
+        <p:cNvPr id="1" name=""/>
+        <p:cNvGrpSpPr/>
+        <p:nvPr/>
+      </p:nvGrpSpPr>
+      <p:grpSpPr>
+        <a:xfrm>
+          <a:off x="0" y="0"/>
+          <a:ext cx="0" cy="0"/>
+          <a:chOff x="0" y="0"/>
+          <a:chExt cx="0" cy="0"/>
+        </a:xfrm>
+      </p:grpSpPr>
+      <p:sp>
+        <p:nvSpPr>
+          <p:cNvPr id="2" name="Title 1">
+            <a:extLst>
+              <a:ext uri="{FF2B5EF4-FFF2-40B4-BE49-F238E27FC236}">
+                <a16:creationId xmlns:a16="http://schemas.microsoft.com/office/drawing/2014/main" id="{B9C922B0-ED97-4492-8D26-4B860ED9E4F1}"/>
+              </a:ext>
+            </a:extLst>
+          </p:cNvPr>
+          <p:cNvSpPr>
+            <a:spLocks noGrp="1"/>
+          </p:cNvSpPr>
+          <p:nvPr>
+            <p:ph type="title"/>
+          </p:nvPr>
+        </p:nvSpPr>
+        <p:spPr/>
+        <p:txBody>
+          <a:bodyPr/>
+          <a:lstStyle/>
+          <a:p>
+            <a:r>
+              <a:rPr lang="en-IN" dirty="0"/>
+              <a:t>Literature Survey</a:t>
+            </a:r>
+          </a:p>
+        </p:txBody>
+      </p:sp>
+      <p:sp>
+        <p:nvSpPr>
+          <p:cNvPr id="3" name="Content Placeholder 2">
+            <a:extLst>
+              <a:ext uri="{FF2B5EF4-FFF2-40B4-BE49-F238E27FC236}">
+                <a16:creationId xmlns:a16="http://schemas.microsoft.com/office/drawing/2014/main" id="{25360A2B-BDB7-4E55-95DD-526AB575C564}"/>
+              </a:ext>
+            </a:extLst>
+          </p:cNvPr>
+          <p:cNvSpPr>
+            <a:spLocks noGrp="1"/>
+          </p:cNvSpPr>
+          <p:nvPr>
+            <p:ph idx="1"/>
+          </p:nvPr>
+        </p:nvSpPr>
+        <p:spPr/>
+        <p:txBody>
+          <a:bodyPr/>
+          <a:lstStyle/>
+          <a:p>
+            <a:r>
+              <a:rPr lang="en-IN" sz="2800" b="1" dirty="0">
+                <a:latin typeface="Times New Roman" panose="02020603050405020304" pitchFamily="18" charset="0"/>
+                <a:cs typeface="Times New Roman" panose="02020603050405020304" pitchFamily="18" charset="0"/>
+              </a:rPr>
+              <a:t>[3] A Convolutional Neural Network based on              	TensorFlow for Face Recognition</a:t>
+            </a:r>
+          </a:p>
+          <a:p>
+            <a:pPr lvl="1"/>
+            <a:r>
+              <a:rPr lang="en-IN" sz="2000" dirty="0">
+                <a:latin typeface="Times New Roman" panose="02020603050405020304" pitchFamily="18" charset="0"/>
+                <a:cs typeface="Times New Roman" panose="02020603050405020304" pitchFamily="18" charset="0"/>
+              </a:rPr>
+              <a:t>A Convolutional Neural Network (CNN) based on TensorFlow, an open source deep learning framework, is proposed for face recognition</a:t>
+            </a:r>
+          </a:p>
+          <a:p>
+            <a:pPr lvl="1"/>
+            <a:r>
+              <a:rPr lang="en-IN" sz="2000" dirty="0">
+                <a:latin typeface="Times New Roman" panose="02020603050405020304" pitchFamily="18" charset="0"/>
+                <a:cs typeface="Times New Roman" panose="02020603050405020304" pitchFamily="18" charset="0"/>
+              </a:rPr>
+              <a:t>Experimental results show that the proposed method has better recognition accuracy and higher robustness in complex environment</a:t>
+            </a:r>
+          </a:p>
+          <a:p>
+            <a:pPr lvl="1"/>
+            <a:r>
+              <a:rPr lang="en-IN" sz="2000" dirty="0">
+                <a:latin typeface="Times New Roman" panose="02020603050405020304" pitchFamily="18" charset="0"/>
+                <a:cs typeface="Times New Roman" panose="02020603050405020304" pitchFamily="18" charset="0"/>
+              </a:rPr>
+              <a:t>They have used </a:t>
+            </a:r>
+            <a:r>
+              <a:rPr lang="en-IN" sz="2000" dirty="0" err="1">
+                <a:latin typeface="Times New Roman" panose="02020603050405020304" pitchFamily="18" charset="0"/>
+                <a:cs typeface="Times New Roman" panose="02020603050405020304" pitchFamily="18" charset="0"/>
+              </a:rPr>
+              <a:t>Adaboost</a:t>
+            </a:r>
+            <a:r>
+              <a:rPr lang="en-IN" sz="2000" dirty="0">
+                <a:latin typeface="Times New Roman" panose="02020603050405020304" pitchFamily="18" charset="0"/>
+                <a:cs typeface="Times New Roman" panose="02020603050405020304" pitchFamily="18" charset="0"/>
+              </a:rPr>
+              <a:t> algorithm</a:t>
+            </a:r>
+          </a:p>
+          <a:p>
+            <a:pPr lvl="1"/>
+            <a:endParaRPr lang="en-IN" sz="2000" dirty="0">
+              <a:latin typeface="Times New Roman" panose="02020603050405020304" pitchFamily="18" charset="0"/>
+              <a:cs typeface="Times New Roman" panose="02020603050405020304" pitchFamily="18" charset="0"/>
+            </a:endParaRPr>
+          </a:p>
+          <a:p>
+            <a:pPr marL="344487" lvl="1" indent="0">
+              <a:buNone/>
+            </a:pPr>
+            <a:r>
+              <a:rPr lang="en-IN" sz="2000" dirty="0">
+                <a:solidFill>
+                  <a:srgbClr val="C00000"/>
+                </a:solidFill>
+                <a:latin typeface="Times New Roman" panose="02020603050405020304" pitchFamily="18" charset="0"/>
+                <a:cs typeface="Times New Roman" panose="02020603050405020304" pitchFamily="18" charset="0"/>
+              </a:rPr>
+              <a:t>Yuan, </a:t>
+            </a:r>
+            <a:r>
+              <a:rPr lang="en-IN" sz="2000" dirty="0" err="1">
+                <a:solidFill>
+                  <a:srgbClr val="C00000"/>
+                </a:solidFill>
+                <a:latin typeface="Times New Roman" panose="02020603050405020304" pitchFamily="18" charset="0"/>
+                <a:cs typeface="Times New Roman" panose="02020603050405020304" pitchFamily="18" charset="0"/>
+              </a:rPr>
+              <a:t>Liping</a:t>
+            </a:r>
+            <a:r>
+              <a:rPr lang="en-IN" sz="2000" dirty="0">
+                <a:solidFill>
+                  <a:srgbClr val="C00000"/>
+                </a:solidFill>
+                <a:latin typeface="Times New Roman" panose="02020603050405020304" pitchFamily="18" charset="0"/>
+                <a:cs typeface="Times New Roman" panose="02020603050405020304" pitchFamily="18" charset="0"/>
+              </a:rPr>
+              <a:t>, et al. "A convolutional neural network based on TensorFlow for face recognition." </a:t>
+            </a:r>
+            <a:r>
+              <a:rPr lang="en-IN" sz="2000" i="1" dirty="0">
+                <a:solidFill>
+                  <a:srgbClr val="C00000"/>
+                </a:solidFill>
+                <a:latin typeface="Times New Roman" panose="02020603050405020304" pitchFamily="18" charset="0"/>
+                <a:cs typeface="Times New Roman" panose="02020603050405020304" pitchFamily="18" charset="0"/>
+              </a:rPr>
+              <a:t>2017 IEEE 2nd Advanced Information Technology, Electronic and Automation Control Conference (IAEAC)</a:t>
+            </a:r>
+            <a:r>
+              <a:rPr lang="en-IN" sz="2000" dirty="0">
+                <a:solidFill>
+                  <a:srgbClr val="C00000"/>
+                </a:solidFill>
+                <a:latin typeface="Times New Roman" panose="02020603050405020304" pitchFamily="18" charset="0"/>
+                <a:cs typeface="Times New Roman" panose="02020603050405020304" pitchFamily="18" charset="0"/>
+              </a:rPr>
+              <a:t>. IEEE, 2017.</a:t>
+            </a:r>
+          </a:p>
+          <a:p>
+            <a:pPr lvl="1"/>
+            <a:endParaRPr lang="en-IN" sz="2000" dirty="0">
+              <a:latin typeface="Times New Roman" panose="02020603050405020304" pitchFamily="18" charset="0"/>
+              <a:cs typeface="Times New Roman" panose="02020603050405020304" pitchFamily="18" charset="0"/>
+            </a:endParaRPr>
+          </a:p>
+          <a:p>
+            <a:pPr lvl="1"/>
+            <a:endParaRPr lang="en-IN" sz="2000" dirty="0">
+              <a:latin typeface="Times New Roman" panose="02020603050405020304" pitchFamily="18" charset="0"/>
+              <a:cs typeface="Times New Roman" panose="02020603050405020304" pitchFamily="18" charset="0"/>
+            </a:endParaRPr>
+          </a:p>
+        </p:txBody>
+      </p:sp>
+    </p:spTree>
+    <p:extLst>
+      <p:ext uri="{BB962C8B-B14F-4D97-AF65-F5344CB8AC3E}">
+        <p14:creationId xmlns:p14="http://schemas.microsoft.com/office/powerpoint/2010/main" val="1685616120"/>
+      </p:ext>
+    </p:extLst>
+  </p:cSld>
+  <p:clrMapOvr>
+    <a:masterClrMapping/>
+  </p:clrMapOvr>
+  <mc:AlternateContent xmlns:mc="http://schemas.openxmlformats.org/markup-compatibility/2006" xmlns:p14="http://schemas.microsoft.com/office/powerpoint/2010/main">
+    <mc:Choice Requires="p14">
+      <p:transition spd="slow" p14:dur="1600">
+        <p14:gallery dir="l"/>
+      </p:transition>
+    </mc:Choice>
+    <mc:Fallback xmlns="">
+      <p:transition spd="slow">
+        <p:fade/>
+      </p:transition>
+    </mc:Fallback>
+  </mc:AlternateContent>
+</p:sld>
+</file>
+
+<file path=ppt/slides/slide16.xml><?xml version="1.0" encoding="utf-8"?>
+<p:sld xmlns:a="http://schemas.openxmlformats.org/drawingml/2006/main" xmlns:r="http://schemas.openxmlformats.org/officeDocument/2006/relationships" xmlns:p="http://schemas.openxmlformats.org/presentationml/2006/main">
+  <p:cSld>
+    <p:spTree>
+      <p:nvGrpSpPr>
+        <p:cNvPr id="1" name=""/>
+        <p:cNvGrpSpPr/>
+        <p:nvPr/>
+      </p:nvGrpSpPr>
+      <p:grpSpPr>
+        <a:xfrm>
+          <a:off x="0" y="0"/>
+          <a:ext cx="0" cy="0"/>
+          <a:chOff x="0" y="0"/>
+          <a:chExt cx="0" cy="0"/>
+        </a:xfrm>
+      </p:grpSpPr>
+      <p:sp>
+        <p:nvSpPr>
+          <p:cNvPr id="2" name="Title 1">
+            <a:extLst>
+              <a:ext uri="{FF2B5EF4-FFF2-40B4-BE49-F238E27FC236}">
                 <a16:creationId xmlns:a16="http://schemas.microsoft.com/office/drawing/2014/main" id="{E2F53D30-183F-457C-82E1-5B941204FF0A}"/>
               </a:ext>
             </a:extLst>
@@ -6768,6 +7404,73 @@
           <a:p>
             <a:pPr lvl="1"/>
             <a:endParaRPr lang="en-IN" sz="2000" dirty="0">
+              <a:solidFill>
+                <a:srgbClr val="C00000"/>
+              </a:solidFill>
+              <a:latin typeface="Times New Roman" panose="02020603050405020304" pitchFamily="18" charset="0"/>
+              <a:cs typeface="Times New Roman" panose="02020603050405020304" pitchFamily="18" charset="0"/>
+            </a:endParaRPr>
+          </a:p>
+          <a:p>
+            <a:pPr marL="0" indent="0" algn="just">
+              <a:buNone/>
+            </a:pPr>
+            <a:r>
+              <a:rPr lang="en-US" sz="2000" dirty="0">
+                <a:solidFill>
+                  <a:srgbClr val="C00000"/>
+                </a:solidFill>
+                <a:latin typeface="Times New Roman" panose="02020603050405020304" pitchFamily="18" charset="0"/>
+                <a:cs typeface="Times New Roman" panose="02020603050405020304" pitchFamily="18" charset="0"/>
+              </a:rPr>
+              <a:t>Hu, </a:t>
+            </a:r>
+            <a:r>
+              <a:rPr lang="en-US" sz="2000" dirty="0" err="1">
+                <a:solidFill>
+                  <a:srgbClr val="C00000"/>
+                </a:solidFill>
+                <a:latin typeface="Times New Roman" panose="02020603050405020304" pitchFamily="18" charset="0"/>
+                <a:cs typeface="Times New Roman" panose="02020603050405020304" pitchFamily="18" charset="0"/>
+              </a:rPr>
+              <a:t>Guosheng</a:t>
+            </a:r>
+            <a:r>
+              <a:rPr lang="en-US" sz="2000" dirty="0">
+                <a:solidFill>
+                  <a:srgbClr val="C00000"/>
+                </a:solidFill>
+                <a:latin typeface="Times New Roman" panose="02020603050405020304" pitchFamily="18" charset="0"/>
+                <a:cs typeface="Times New Roman" panose="02020603050405020304" pitchFamily="18" charset="0"/>
+              </a:rPr>
+              <a:t>, et al. "When face recognition meets with deep learning: an evaluation of convolutional neural networks for face recognition." </a:t>
+            </a:r>
+            <a:r>
+              <a:rPr lang="en-US" sz="2000" i="1" dirty="0">
+                <a:solidFill>
+                  <a:srgbClr val="C00000"/>
+                </a:solidFill>
+                <a:latin typeface="Times New Roman" panose="02020603050405020304" pitchFamily="18" charset="0"/>
+                <a:cs typeface="Times New Roman" panose="02020603050405020304" pitchFamily="18" charset="0"/>
+              </a:rPr>
+              <a:t>Proceedings of the IEEE international conference on computer vision workshops</a:t>
+            </a:r>
+            <a:r>
+              <a:rPr lang="en-US" sz="2000" dirty="0">
+                <a:solidFill>
+                  <a:srgbClr val="C00000"/>
+                </a:solidFill>
+                <a:latin typeface="Times New Roman" panose="02020603050405020304" pitchFamily="18" charset="0"/>
+                <a:cs typeface="Times New Roman" panose="02020603050405020304" pitchFamily="18" charset="0"/>
+              </a:rPr>
+              <a:t>. 2015.</a:t>
+            </a:r>
+          </a:p>
+          <a:p>
+            <a:pPr marL="0" indent="0" algn="just">
+              <a:buNone/>
+            </a:pPr>
+            <a:endParaRPr lang="en-IN" sz="3200" dirty="0">
               <a:latin typeface="Times New Roman" panose="02020603050405020304" pitchFamily="18" charset="0"/>
               <a:cs typeface="Times New Roman" panose="02020603050405020304" pitchFamily="18" charset="0"/>
             </a:endParaRPr>
@@ -6802,7 +7505,7 @@
 </p:sld>
 </file>
 
-<file path=ppt/slides/slide14.xml><?xml version="1.0" encoding="utf-8"?>
+<file path=ppt/slides/slide17.xml><?xml version="1.0" encoding="utf-8"?>
 <p:sld xmlns:a="http://schemas.openxmlformats.org/drawingml/2006/main" xmlns:r="http://schemas.openxmlformats.org/officeDocument/2006/relationships" xmlns:p="http://schemas.openxmlformats.org/presentationml/2006/main">
   <p:cSld>
     <p:spTree>
@@ -6948,7 +7651,7 @@
 </p:sld>
 </file>
 
-<file path=ppt/slides/slide15.xml><?xml version="1.0" encoding="utf-8"?>
+<file path=ppt/slides/slide18.xml><?xml version="1.0" encoding="utf-8"?>
 <p:sld xmlns:a="http://schemas.openxmlformats.org/drawingml/2006/main" xmlns:r="http://schemas.openxmlformats.org/officeDocument/2006/relationships" xmlns:p="http://schemas.openxmlformats.org/presentationml/2006/main">
   <p:cSld>
     <p:spTree>
@@ -7113,18 +7816,11 @@
               <a:t> </a:t>
             </a:r>
             <a:r>
-              <a:rPr lang="en-IN" sz="2000">
-                <a:latin typeface="Times New Roman" panose="02020603050405020304" pitchFamily="18" charset="0"/>
-                <a:cs typeface="Times New Roman" panose="02020603050405020304" pitchFamily="18" charset="0"/>
-              </a:rPr>
-              <a:t>Ramaiah</a:t>
-            </a:r>
-            <a:r>
               <a:rPr lang="en-IN" sz="2000" dirty="0">
                 <a:latin typeface="Times New Roman" panose="02020603050405020304" pitchFamily="18" charset="0"/>
                 <a:cs typeface="Times New Roman" panose="02020603050405020304" pitchFamily="18" charset="0"/>
               </a:rPr>
-              <a:t>, N. </a:t>
+              <a:t>Ramaiah, N. </a:t>
             </a:r>
             <a:r>
               <a:rPr lang="en-IN" sz="2000" dirty="0" err="1">
@@ -7250,7 +7946,7 @@
 </p:sld>
 </file>
 
-<file path=ppt/slides/slide16.xml><?xml version="1.0" encoding="utf-8"?>
+<file path=ppt/slides/slide19.xml><?xml version="1.0" encoding="utf-8"?>
 <p:sld xmlns:a="http://schemas.openxmlformats.org/drawingml/2006/main" xmlns:r="http://schemas.openxmlformats.org/officeDocument/2006/relationships" xmlns:p="http://schemas.openxmlformats.org/presentationml/2006/main">
   <p:cSld>
     <p:spTree>
@@ -7502,7 +8198,170 @@
 </p:sld>
 </file>
 
-<file path=ppt/slides/slide17.xml><?xml version="1.0" encoding="utf-8"?>
+<file path=ppt/slides/slide2.xml><?xml version="1.0" encoding="utf-8"?>
+<p:sld xmlns:a="http://schemas.openxmlformats.org/drawingml/2006/main" xmlns:r="http://schemas.openxmlformats.org/officeDocument/2006/relationships" xmlns:p="http://schemas.openxmlformats.org/presentationml/2006/main">
+  <p:cSld>
+    <p:spTree>
+      <p:nvGrpSpPr>
+        <p:cNvPr id="1" name=""/>
+        <p:cNvGrpSpPr/>
+        <p:nvPr/>
+      </p:nvGrpSpPr>
+      <p:grpSpPr>
+        <a:xfrm>
+          <a:off x="0" y="0"/>
+          <a:ext cx="0" cy="0"/>
+          <a:chOff x="0" y="0"/>
+          <a:chExt cx="0" cy="0"/>
+        </a:xfrm>
+      </p:grpSpPr>
+      <p:sp>
+        <p:nvSpPr>
+          <p:cNvPr id="8194" name="Title 1"/>
+          <p:cNvSpPr>
+            <a:spLocks noGrp="1"/>
+          </p:cNvSpPr>
+          <p:nvPr>
+            <p:ph type="title"/>
+          </p:nvPr>
+        </p:nvSpPr>
+        <p:spPr>
+          <a:xfrm>
+            <a:off x="457200" y="238057"/>
+            <a:ext cx="8229600" cy="1139825"/>
+          </a:xfrm>
+        </p:spPr>
+        <p:txBody>
+          <a:bodyPr/>
+          <a:lstStyle/>
+          <a:p>
+            <a:pPr eaLnBrk="1" hangingPunct="1"/>
+            <a:r>
+              <a:rPr lang="en-US" dirty="0">
+                <a:effectLst>
+                  <a:outerShdw blurRad="38100" dist="38100" dir="2700000" algn="tl">
+                    <a:srgbClr val="000000">
+                      <a:alpha val="43137"/>
+                    </a:srgbClr>
+                  </a:outerShdw>
+                </a:effectLst>
+              </a:rPr>
+              <a:t>Abstract </a:t>
+            </a:r>
+          </a:p>
+        </p:txBody>
+      </p:sp>
+      <p:sp>
+        <p:nvSpPr>
+          <p:cNvPr id="8195" name="Content Placeholder 2"/>
+          <p:cNvSpPr>
+            <a:spLocks noGrp="1"/>
+          </p:cNvSpPr>
+          <p:nvPr>
+            <p:ph idx="1"/>
+          </p:nvPr>
+        </p:nvSpPr>
+        <p:spPr>
+          <a:xfrm>
+            <a:off x="304800" y="1086679"/>
+            <a:ext cx="8458200" cy="5064125"/>
+          </a:xfrm>
+        </p:spPr>
+        <p:txBody>
+          <a:bodyPr/>
+          <a:lstStyle/>
+          <a:p>
+            <a:pPr marL="0" indent="0" algn="just">
+              <a:buNone/>
+            </a:pPr>
+            <a:r>
+              <a:rPr lang="en-IN" sz="2800" b="1" dirty="0"/>
+              <a:t> </a:t>
+            </a:r>
+            <a:endParaRPr lang="en-IN" sz="2800" dirty="0"/>
+          </a:p>
+          <a:p>
+            <a:pPr algn="just">
+              <a:buFont typeface="Wingdings" panose="05000000000000000000" pitchFamily="2" charset="2"/>
+              <a:buChar char="Ø"/>
+            </a:pPr>
+            <a:r>
+              <a:rPr lang="en-IN" sz="2800" dirty="0">
+                <a:latin typeface="Times New Roman" panose="02020603050405020304" pitchFamily="18" charset="0"/>
+                <a:cs typeface="Times New Roman" panose="02020603050405020304" pitchFamily="18" charset="0"/>
+              </a:rPr>
+              <a:t>Facial recognition is one of the popular biometric process which is widely used in surveillance, security, criminal identification, etc. </a:t>
+            </a:r>
+          </a:p>
+          <a:p>
+            <a:pPr algn="just">
+              <a:buFont typeface="Wingdings" panose="05000000000000000000" pitchFamily="2" charset="2"/>
+              <a:buChar char="Ø"/>
+            </a:pPr>
+            <a:endParaRPr lang="en-IN" sz="2800" dirty="0">
+              <a:latin typeface="Times New Roman" panose="02020603050405020304" pitchFamily="18" charset="0"/>
+              <a:cs typeface="Times New Roman" panose="02020603050405020304" pitchFamily="18" charset="0"/>
+            </a:endParaRPr>
+          </a:p>
+          <a:p>
+            <a:pPr algn="just">
+              <a:buFont typeface="Wingdings" panose="05000000000000000000" pitchFamily="2" charset="2"/>
+              <a:buChar char="Ø"/>
+            </a:pPr>
+            <a:r>
+              <a:rPr lang="en-IN" sz="2800" dirty="0">
+                <a:latin typeface="Times New Roman" panose="02020603050405020304" pitchFamily="18" charset="0"/>
+                <a:cs typeface="Times New Roman" panose="02020603050405020304" pitchFamily="18" charset="0"/>
+              </a:rPr>
+              <a:t>Deep learning is a subset of machine learning which uses artificial neural networks inspired by the human brain to solve supervised learning (Classification) problems</a:t>
+            </a:r>
+            <a:endParaRPr lang="en-IN" sz="2800" dirty="0">
+              <a:solidFill>
+                <a:schemeClr val="accent6">
+                  <a:lumMod val="75000"/>
+                </a:schemeClr>
+              </a:solidFill>
+              <a:latin typeface="Times New Roman" panose="02020603050405020304" pitchFamily="18" charset="0"/>
+              <a:cs typeface="Times New Roman" panose="02020603050405020304" pitchFamily="18" charset="0"/>
+            </a:endParaRPr>
+          </a:p>
+          <a:p>
+            <a:pPr algn="just"/>
+            <a:endParaRPr lang="en-IN" sz="2800" dirty="0"/>
+          </a:p>
+          <a:p>
+            <a:pPr algn="just">
+              <a:buFont typeface="Wingdings" pitchFamily="2" charset="2"/>
+              <a:buChar char="q"/>
+            </a:pPr>
+            <a:endParaRPr lang="en-IN" sz="2800" dirty="0">
+              <a:latin typeface="Times New Roman" pitchFamily="18" charset="0"/>
+              <a:cs typeface="Times New Roman" pitchFamily="18" charset="0"/>
+            </a:endParaRPr>
+          </a:p>
+        </p:txBody>
+      </p:sp>
+    </p:spTree>
+  </p:cSld>
+  <p:clrMapOvr>
+    <a:masterClrMapping/>
+  </p:clrMapOvr>
+  <mc:AlternateContent xmlns:mc="http://schemas.openxmlformats.org/markup-compatibility/2006" xmlns:p14="http://schemas.microsoft.com/office/powerpoint/2010/main">
+    <mc:Choice Requires="p14">
+      <p:transition spd="slow" p14:dur="1600">
+        <p14:gallery dir="l"/>
+      </p:transition>
+    </mc:Choice>
+    <mc:Fallback xmlns="">
+      <p:transition spd="slow">
+        <p:fade/>
+      </p:transition>
+    </mc:Fallback>
+  </mc:AlternateContent>
+</p:sld>
+</file>
+
+<file path=ppt/slides/slide20.xml><?xml version="1.0" encoding="utf-8"?>
 <p:sld xmlns:a="http://schemas.openxmlformats.org/drawingml/2006/main" xmlns:r="http://schemas.openxmlformats.org/officeDocument/2006/relationships" xmlns:p="http://schemas.openxmlformats.org/presentationml/2006/main">
   <p:cSld>
     <p:spTree>
@@ -7763,169 +8622,6 @@
 </p:sld>
 </file>
 
-<file path=ppt/slides/slide2.xml><?xml version="1.0" encoding="utf-8"?>
-<p:sld xmlns:a="http://schemas.openxmlformats.org/drawingml/2006/main" xmlns:r="http://schemas.openxmlformats.org/officeDocument/2006/relationships" xmlns:p="http://schemas.openxmlformats.org/presentationml/2006/main">
-  <p:cSld>
-    <p:spTree>
-      <p:nvGrpSpPr>
-        <p:cNvPr id="1" name=""/>
-        <p:cNvGrpSpPr/>
-        <p:nvPr/>
-      </p:nvGrpSpPr>
-      <p:grpSpPr>
-        <a:xfrm>
-          <a:off x="0" y="0"/>
-          <a:ext cx="0" cy="0"/>
-          <a:chOff x="0" y="0"/>
-          <a:chExt cx="0" cy="0"/>
-        </a:xfrm>
-      </p:grpSpPr>
-      <p:sp>
-        <p:nvSpPr>
-          <p:cNvPr id="8194" name="Title 1"/>
-          <p:cNvSpPr>
-            <a:spLocks noGrp="1"/>
-          </p:cNvSpPr>
-          <p:nvPr>
-            <p:ph type="title"/>
-          </p:nvPr>
-        </p:nvSpPr>
-        <p:spPr>
-          <a:xfrm>
-            <a:off x="457200" y="238057"/>
-            <a:ext cx="8229600" cy="1139825"/>
-          </a:xfrm>
-        </p:spPr>
-        <p:txBody>
-          <a:bodyPr/>
-          <a:lstStyle/>
-          <a:p>
-            <a:pPr eaLnBrk="1" hangingPunct="1"/>
-            <a:r>
-              <a:rPr lang="en-US" dirty="0">
-                <a:effectLst>
-                  <a:outerShdw blurRad="38100" dist="38100" dir="2700000" algn="tl">
-                    <a:srgbClr val="000000">
-                      <a:alpha val="43137"/>
-                    </a:srgbClr>
-                  </a:outerShdw>
-                </a:effectLst>
-              </a:rPr>
-              <a:t>Abstract </a:t>
-            </a:r>
-          </a:p>
-        </p:txBody>
-      </p:sp>
-      <p:sp>
-        <p:nvSpPr>
-          <p:cNvPr id="8195" name="Content Placeholder 2"/>
-          <p:cNvSpPr>
-            <a:spLocks noGrp="1"/>
-          </p:cNvSpPr>
-          <p:nvPr>
-            <p:ph idx="1"/>
-          </p:nvPr>
-        </p:nvSpPr>
-        <p:spPr>
-          <a:xfrm>
-            <a:off x="304800" y="1086679"/>
-            <a:ext cx="8458200" cy="5064125"/>
-          </a:xfrm>
-        </p:spPr>
-        <p:txBody>
-          <a:bodyPr/>
-          <a:lstStyle/>
-          <a:p>
-            <a:pPr marL="0" indent="0" algn="just">
-              <a:buNone/>
-            </a:pPr>
-            <a:r>
-              <a:rPr lang="en-IN" sz="2800" b="1" dirty="0"/>
-              <a:t> </a:t>
-            </a:r>
-            <a:endParaRPr lang="en-IN" sz="2800" dirty="0"/>
-          </a:p>
-          <a:p>
-            <a:pPr algn="just">
-              <a:buFont typeface="Wingdings" panose="05000000000000000000" pitchFamily="2" charset="2"/>
-              <a:buChar char="Ø"/>
-            </a:pPr>
-            <a:r>
-              <a:rPr lang="en-IN" sz="2800" dirty="0">
-                <a:latin typeface="Times New Roman" panose="02020603050405020304" pitchFamily="18" charset="0"/>
-                <a:cs typeface="Times New Roman" panose="02020603050405020304" pitchFamily="18" charset="0"/>
-              </a:rPr>
-              <a:t>Facial recognition is one of the popular biometric process which is widely used in surveillance, security, criminal identification, etc. </a:t>
-            </a:r>
-          </a:p>
-          <a:p>
-            <a:pPr algn="just">
-              <a:buFont typeface="Wingdings" panose="05000000000000000000" pitchFamily="2" charset="2"/>
-              <a:buChar char="Ø"/>
-            </a:pPr>
-            <a:endParaRPr lang="en-IN" sz="2800" dirty="0">
-              <a:latin typeface="Times New Roman" panose="02020603050405020304" pitchFamily="18" charset="0"/>
-              <a:cs typeface="Times New Roman" panose="02020603050405020304" pitchFamily="18" charset="0"/>
-            </a:endParaRPr>
-          </a:p>
-          <a:p>
-            <a:pPr algn="just">
-              <a:buFont typeface="Wingdings" panose="05000000000000000000" pitchFamily="2" charset="2"/>
-              <a:buChar char="Ø"/>
-            </a:pPr>
-            <a:r>
-              <a:rPr lang="en-IN" sz="2800" dirty="0">
-                <a:latin typeface="Times New Roman" panose="02020603050405020304" pitchFamily="18" charset="0"/>
-                <a:cs typeface="Times New Roman" panose="02020603050405020304" pitchFamily="18" charset="0"/>
-              </a:rPr>
-              <a:t>Deep learning is a subset of machine learning which uses artificial neural networks inspired by the human brain to solve supervised and unsupervised learning problems</a:t>
-            </a:r>
-            <a:endParaRPr lang="en-IN" sz="2800" dirty="0">
-              <a:solidFill>
-                <a:schemeClr val="accent6">
-                  <a:lumMod val="75000"/>
-                </a:schemeClr>
-              </a:solidFill>
-              <a:latin typeface="Times New Roman" panose="02020603050405020304" pitchFamily="18" charset="0"/>
-              <a:cs typeface="Times New Roman" panose="02020603050405020304" pitchFamily="18" charset="0"/>
-            </a:endParaRPr>
-          </a:p>
-          <a:p>
-            <a:pPr algn="just"/>
-            <a:endParaRPr lang="en-IN" sz="2800" dirty="0"/>
-          </a:p>
-          <a:p>
-            <a:pPr algn="just">
-              <a:buFont typeface="Wingdings" pitchFamily="2" charset="2"/>
-              <a:buChar char="q"/>
-            </a:pPr>
-            <a:endParaRPr lang="en-IN" sz="2800" dirty="0">
-              <a:latin typeface="Times New Roman" pitchFamily="18" charset="0"/>
-              <a:cs typeface="Times New Roman" pitchFamily="18" charset="0"/>
-            </a:endParaRPr>
-          </a:p>
-        </p:txBody>
-      </p:sp>
-    </p:spTree>
-  </p:cSld>
-  <p:clrMapOvr>
-    <a:masterClrMapping/>
-  </p:clrMapOvr>
-  <mc:AlternateContent xmlns:mc="http://schemas.openxmlformats.org/markup-compatibility/2006" xmlns:p14="http://schemas.microsoft.com/office/powerpoint/2010/main">
-    <mc:Choice Requires="p14">
-      <p:transition spd="slow" p14:dur="1600">
-        <p14:gallery dir="l"/>
-      </p:transition>
-    </mc:Choice>
-    <mc:Fallback xmlns="">
-      <p:transition spd="slow">
-        <p:fade/>
-      </p:transition>
-    </mc:Fallback>
-  </mc:AlternateContent>
-</p:sld>
-</file>
-
 <file path=ppt/slides/slide3.xml><?xml version="1.0" encoding="utf-8"?>
 <p:sld xmlns:a="http://schemas.openxmlformats.org/drawingml/2006/main" xmlns:r="http://schemas.openxmlformats.org/officeDocument/2006/relationships" xmlns:p="http://schemas.openxmlformats.org/presentationml/2006/main">
   <p:cSld>
@@ -8003,7 +8699,7 @@
                 <a:latin typeface="Times New Roman" panose="02020603050405020304" pitchFamily="18" charset="0"/>
                 <a:cs typeface="Times New Roman" panose="02020603050405020304" pitchFamily="18" charset="0"/>
               </a:rPr>
-              <a:t>Convolution Neural Networks is one of the neural network architectures, heavily used in face recognition problems. </a:t>
+              <a:t>Convolution Neural Networks is one of the neural network architectures, widely used in face recognition problems. </a:t>
             </a:r>
           </a:p>
           <a:p>
@@ -8026,7 +8722,7 @@
                 <a:latin typeface="Times New Roman" panose="02020603050405020304" pitchFamily="18" charset="0"/>
                 <a:cs typeface="Times New Roman" panose="02020603050405020304" pitchFamily="18" charset="0"/>
               </a:rPr>
-              <a:t>This project proposes a convolutional neural networks (CNN) based facial recognition system</a:t>
+              <a:t>This project proposes a Convolutional Neural Networks (CNN) based facial recognition system</a:t>
             </a:r>
           </a:p>
           <a:p>
@@ -8596,7 +9292,59 @@
                 <a:latin typeface="Times New Roman" panose="02020603050405020304" pitchFamily="18" charset="0"/>
                 <a:cs typeface="Times New Roman" panose="02020603050405020304" pitchFamily="18" charset="0"/>
               </a:rPr>
-              <a:t>There are several existing systems for face recognition like:</a:t>
+              <a:t>There are several classification models used for face recognition like:</a:t>
+            </a:r>
+          </a:p>
+          <a:p>
+            <a:pPr lvl="1">
+              <a:buFont typeface="Wingdings" panose="05000000000000000000" pitchFamily="2" charset="2"/>
+              <a:buChar char="Ø"/>
+            </a:pPr>
+            <a:r>
+              <a:rPr lang="en-IN" dirty="0">
+                <a:latin typeface="Times New Roman" panose="02020603050405020304" pitchFamily="18" charset="0"/>
+                <a:cs typeface="Times New Roman" panose="02020603050405020304" pitchFamily="18" charset="0"/>
+              </a:rPr>
+              <a:t>Eigen Face Recognition</a:t>
+            </a:r>
+          </a:p>
+          <a:p>
+            <a:pPr lvl="1">
+              <a:buFont typeface="Wingdings" panose="05000000000000000000" pitchFamily="2" charset="2"/>
+              <a:buChar char="Ø"/>
+            </a:pPr>
+            <a:r>
+              <a:rPr lang="en-IN" dirty="0">
+                <a:latin typeface="Times New Roman" panose="02020603050405020304" pitchFamily="18" charset="0"/>
+                <a:cs typeface="Times New Roman" panose="02020603050405020304" pitchFamily="18" charset="0"/>
+              </a:rPr>
+              <a:t>Fischer Face Recognition</a:t>
+            </a:r>
+          </a:p>
+          <a:p>
+            <a:pPr lvl="1">
+              <a:buFont typeface="Wingdings" panose="05000000000000000000" pitchFamily="2" charset="2"/>
+              <a:buChar char="Ø"/>
+            </a:pPr>
+            <a:r>
+              <a:rPr lang="en-IN" dirty="0">
+                <a:latin typeface="Times New Roman" panose="02020603050405020304" pitchFamily="18" charset="0"/>
+                <a:cs typeface="Times New Roman" panose="02020603050405020304" pitchFamily="18" charset="0"/>
+              </a:rPr>
+              <a:t>Local Binary Pattern Histogram ( LBPH )</a:t>
+            </a:r>
+          </a:p>
+          <a:p>
+            <a:pPr>
+              <a:buFont typeface="Wingdings" panose="05000000000000000000" pitchFamily="2" charset="2"/>
+              <a:buChar char="Ø"/>
+            </a:pPr>
+            <a:r>
+              <a:rPr lang="en-IN" dirty="0">
+                <a:latin typeface="Times New Roman" panose="02020603050405020304" pitchFamily="18" charset="0"/>
+                <a:cs typeface="Times New Roman" panose="02020603050405020304" pitchFamily="18" charset="0"/>
+              </a:rPr>
+              <a:t>Some pre-processing techniques includes: </a:t>
             </a:r>
           </a:p>
           <a:p>
@@ -8609,7 +9357,7 @@
                 <a:latin typeface="Times New Roman" panose="02020603050405020304" pitchFamily="18" charset="0"/>
                 <a:cs typeface="Times New Roman" panose="02020603050405020304" pitchFamily="18" charset="0"/>
               </a:rPr>
-              <a:t>Local Binary Pattern Histogram ( LBPH )</a:t>
+              <a:t>PCA </a:t>
             </a:r>
           </a:p>
           <a:p>
@@ -8622,57 +9370,7 @@
                 <a:latin typeface="Times New Roman" panose="02020603050405020304" pitchFamily="18" charset="0"/>
                 <a:cs typeface="Times New Roman" panose="02020603050405020304" pitchFamily="18" charset="0"/>
               </a:rPr>
-              <a:t>PCA</a:t>
-            </a:r>
-          </a:p>
-          <a:p>
-            <a:pPr lvl="1">
-              <a:buFont typeface="Arial" panose="020B0604020202020204" pitchFamily="34" charset="0"/>
-              <a:buChar char="•"/>
-            </a:pPr>
-            <a:r>
-              <a:rPr lang="en-IN" dirty="0">
-                <a:latin typeface="Times New Roman" panose="02020603050405020304" pitchFamily="18" charset="0"/>
-                <a:cs typeface="Times New Roman" panose="02020603050405020304" pitchFamily="18" charset="0"/>
-              </a:rPr>
               <a:t>LDA</a:t>
-            </a:r>
-          </a:p>
-          <a:p>
-            <a:pPr lvl="1">
-              <a:buFont typeface="Arial" panose="020B0604020202020204" pitchFamily="34" charset="0"/>
-              <a:buChar char="•"/>
-            </a:pPr>
-            <a:r>
-              <a:rPr lang="en-IN" dirty="0">
-                <a:latin typeface="Times New Roman" panose="02020603050405020304" pitchFamily="18" charset="0"/>
-                <a:cs typeface="Times New Roman" panose="02020603050405020304" pitchFamily="18" charset="0"/>
-              </a:rPr>
-              <a:t>Eigen Face </a:t>
-            </a:r>
-            <a:r>
-              <a:rPr lang="en-IN" dirty="0" err="1">
-                <a:latin typeface="Times New Roman" panose="02020603050405020304" pitchFamily="18" charset="0"/>
-                <a:cs typeface="Times New Roman" panose="02020603050405020304" pitchFamily="18" charset="0"/>
-              </a:rPr>
-              <a:t>R+ecognition</a:t>
-            </a:r>
-            <a:endParaRPr lang="en-IN" dirty="0">
-              <a:latin typeface="Times New Roman" panose="02020603050405020304" pitchFamily="18" charset="0"/>
-              <a:cs typeface="Times New Roman" panose="02020603050405020304" pitchFamily="18" charset="0"/>
-            </a:endParaRPr>
-          </a:p>
-          <a:p>
-            <a:pPr lvl="1">
-              <a:buFont typeface="Arial" panose="020B0604020202020204" pitchFamily="34" charset="0"/>
-              <a:buChar char="•"/>
-            </a:pPr>
-            <a:r>
-              <a:rPr lang="en-IN" dirty="0">
-                <a:latin typeface="Times New Roman" panose="02020603050405020304" pitchFamily="18" charset="0"/>
-                <a:cs typeface="Times New Roman" panose="02020603050405020304" pitchFamily="18" charset="0"/>
-              </a:rPr>
-              <a:t>Fischer Face Recognition</a:t>
             </a:r>
           </a:p>
         </p:txBody>
@@ -8922,7 +9620,7 @@
                 <a:latin typeface="Times New Roman" panose="02020603050405020304" pitchFamily="18" charset="0"/>
                 <a:cs typeface="Times New Roman" panose="02020603050405020304" pitchFamily="18" charset="0"/>
               </a:rPr>
-              <a:t>In order to deal with such real time data we will build a CNN model with high accuracy</a:t>
+              <a:t>In order to deal with such real time data and the projects aims to build a CNN model with high accuracy</a:t>
             </a:r>
           </a:p>
           <a:p>
@@ -8983,7 +9681,7 @@
           <p:cNvPr id="2" name="Title 1">
             <a:extLst>
               <a:ext uri="{FF2B5EF4-FFF2-40B4-BE49-F238E27FC236}">
-                <a16:creationId xmlns:a16="http://schemas.microsoft.com/office/drawing/2014/main" id="{F2F5BBE9-45E5-419A-A9FF-2691EDC54A18}"/>
+                <a16:creationId xmlns:a16="http://schemas.microsoft.com/office/drawing/2014/main" id="{BE3FB9BF-CB74-43E3-A591-77C56C351F41}"/>
               </a:ext>
             </a:extLst>
           </p:cNvPr>
@@ -9001,7 +9699,7 @@
           <a:p>
             <a:r>
               <a:rPr lang="en-IN" dirty="0"/>
-              <a:t>Planning</a:t>
+              <a:t>Problem Definition</a:t>
             </a:r>
           </a:p>
         </p:txBody>
@@ -9011,7 +9709,7 @@
           <p:cNvPr id="3" name="Content Placeholder 2">
             <a:extLst>
               <a:ext uri="{FF2B5EF4-FFF2-40B4-BE49-F238E27FC236}">
-                <a16:creationId xmlns:a16="http://schemas.microsoft.com/office/drawing/2014/main" id="{A010BA7D-ED7A-4DF7-8C91-1AAC0375C4FA}"/>
+                <a16:creationId xmlns:a16="http://schemas.microsoft.com/office/drawing/2014/main" id="{C5615A81-46D3-4A2E-9955-16DDBA73F9C9}"/>
               </a:ext>
             </a:extLst>
           </p:cNvPr>
@@ -9024,120 +9722,606 @@
         </p:nvSpPr>
         <p:spPr>
           <a:xfrm>
-            <a:off x="435253" y="1052736"/>
-            <a:ext cx="8385219" cy="4896544"/>
+            <a:off x="457200" y="1052736"/>
+            <a:ext cx="8229600" cy="5078189"/>
           </a:xfrm>
         </p:spPr>
         <p:txBody>
           <a:bodyPr/>
           <a:lstStyle/>
           <a:p>
-            <a:pPr marL="0" indent="0">
-              <a:buNone/>
-            </a:pPr>
             <a:r>
               <a:rPr lang="en-IN" sz="2800" dirty="0">
                 <a:latin typeface="Times New Roman" panose="02020603050405020304" pitchFamily="18" charset="0"/>
                 <a:cs typeface="Times New Roman" panose="02020603050405020304" pitchFamily="18" charset="0"/>
               </a:rPr>
-              <a:t>  1 : Data Collection</a:t>
-            </a:r>
-            <a:br>
-              <a:rPr lang="en-IN" sz="2800" dirty="0">
-                <a:latin typeface="Times New Roman" panose="02020603050405020304" pitchFamily="18" charset="0"/>
-                <a:cs typeface="Times New Roman" panose="02020603050405020304" pitchFamily="18" charset="0"/>
-              </a:rPr>
-            </a:br>
-            <a:r>
-              <a:rPr lang="en-IN" sz="2800" dirty="0">
-                <a:latin typeface="Times New Roman" panose="02020603050405020304" pitchFamily="18" charset="0"/>
-                <a:cs typeface="Times New Roman" panose="02020603050405020304" pitchFamily="18" charset="0"/>
-              </a:rPr>
-              <a:t>  </a:t>
-            </a:r>
-            <a:br>
-              <a:rPr lang="en-IN" sz="2800" dirty="0">
-                <a:latin typeface="Times New Roman" panose="02020603050405020304" pitchFamily="18" charset="0"/>
-                <a:cs typeface="Times New Roman" panose="02020603050405020304" pitchFamily="18" charset="0"/>
-              </a:rPr>
-            </a:br>
-            <a:r>
-              <a:rPr lang="en-IN" sz="2800" dirty="0">
-                <a:latin typeface="Times New Roman" panose="02020603050405020304" pitchFamily="18" charset="0"/>
-                <a:cs typeface="Times New Roman" panose="02020603050405020304" pitchFamily="18" charset="0"/>
-              </a:rPr>
-              <a:t>  2 : Data Cleaning and Exploratory Data Analysis</a:t>
-            </a:r>
-          </a:p>
-          <a:p>
-            <a:pPr marL="0" indent="0">
-              <a:buNone/>
-            </a:pPr>
-            <a:endParaRPr lang="en-IN" sz="2800" dirty="0">
-              <a:latin typeface="Times New Roman" panose="02020603050405020304" pitchFamily="18" charset="0"/>
-              <a:cs typeface="Times New Roman" panose="02020603050405020304" pitchFamily="18" charset="0"/>
-            </a:endParaRPr>
-          </a:p>
-          <a:p>
-            <a:pPr marL="0" indent="0">
-              <a:buNone/>
-            </a:pPr>
-            <a:r>
-              <a:rPr lang="en-IN" sz="2800" dirty="0">
-                <a:latin typeface="Times New Roman" panose="02020603050405020304" pitchFamily="18" charset="0"/>
-                <a:cs typeface="Times New Roman" panose="02020603050405020304" pitchFamily="18" charset="0"/>
-              </a:rPr>
-              <a:t>  3 : Model building, training and hyperparameter tuning</a:t>
-            </a:r>
-          </a:p>
-          <a:p>
-            <a:pPr marL="0" indent="0">
-              <a:buNone/>
-            </a:pPr>
-            <a:endParaRPr lang="en-IN" sz="2800" dirty="0">
-              <a:latin typeface="Times New Roman" panose="02020603050405020304" pitchFamily="18" charset="0"/>
-              <a:cs typeface="Times New Roman" panose="02020603050405020304" pitchFamily="18" charset="0"/>
-            </a:endParaRPr>
-          </a:p>
-          <a:p>
-            <a:pPr marL="0" indent="0">
-              <a:buNone/>
-            </a:pPr>
-            <a:r>
-              <a:rPr lang="en-IN" sz="2800" dirty="0">
-                <a:latin typeface="Times New Roman" panose="02020603050405020304" pitchFamily="18" charset="0"/>
-                <a:cs typeface="Times New Roman" panose="02020603050405020304" pitchFamily="18" charset="0"/>
-              </a:rPr>
-              <a:t>  4 : Developing web application</a:t>
-            </a:r>
-          </a:p>
-          <a:p>
-            <a:pPr marL="0" indent="0">
-              <a:buNone/>
-            </a:pPr>
-            <a:endParaRPr lang="en-IN" sz="2800" dirty="0">
-              <a:latin typeface="Times New Roman" panose="02020603050405020304" pitchFamily="18" charset="0"/>
-              <a:cs typeface="Times New Roman" panose="02020603050405020304" pitchFamily="18" charset="0"/>
-            </a:endParaRPr>
-          </a:p>
-          <a:p>
-            <a:pPr marL="0" indent="0">
-              <a:buNone/>
-            </a:pPr>
-            <a:r>
-              <a:rPr lang="en-IN" sz="2800" dirty="0">
-                <a:latin typeface="Times New Roman" panose="02020603050405020304" pitchFamily="18" charset="0"/>
-                <a:cs typeface="Times New Roman" panose="02020603050405020304" pitchFamily="18" charset="0"/>
-              </a:rPr>
-              <a:t>  5 : Documentation, Verification </a:t>
-            </a:r>
-          </a:p>
-        </p:txBody>
-      </p:sp>
+              <a:t>Fully Connected Neural Network:</a:t>
+            </a:r>
+          </a:p>
+        </p:txBody>
+      </p:sp>
+      <p:sp>
+        <p:nvSpPr>
+          <p:cNvPr id="10" name="TextBox 9">
+            <a:extLst>
+              <a:ext uri="{FF2B5EF4-FFF2-40B4-BE49-F238E27FC236}">
+                <a16:creationId xmlns:a16="http://schemas.microsoft.com/office/drawing/2014/main" id="{C9E91CAD-C88B-4170-96D3-A30526385601}"/>
+              </a:ext>
+            </a:extLst>
+          </p:cNvPr>
+          <p:cNvSpPr txBox="1"/>
+          <p:nvPr/>
+        </p:nvSpPr>
+        <p:spPr>
+          <a:xfrm>
+            <a:off x="1979712" y="2242113"/>
+            <a:ext cx="1292333" cy="646331"/>
+          </a:xfrm>
+          <a:prstGeom prst="rect">
+            <a:avLst/>
+          </a:prstGeom>
+          <a:noFill/>
+        </p:spPr>
+        <p:txBody>
+          <a:bodyPr wrap="square" rtlCol="0">
+            <a:spAutoFit/>
+          </a:bodyPr>
+          <a:lstStyle/>
+          <a:p>
+            <a:pPr algn="ctr"/>
+            <a:r>
+              <a:rPr lang="en-IN" dirty="0"/>
+              <a:t>Feature Extraction</a:t>
+            </a:r>
+          </a:p>
+        </p:txBody>
+      </p:sp>
+      <p:sp>
+        <p:nvSpPr>
+          <p:cNvPr id="31" name="TextBox 30">
+            <a:extLst>
+              <a:ext uri="{FF2B5EF4-FFF2-40B4-BE49-F238E27FC236}">
+                <a16:creationId xmlns:a16="http://schemas.microsoft.com/office/drawing/2014/main" id="{10E264F5-A747-440C-B4F4-F573D99CDE1F}"/>
+              </a:ext>
+            </a:extLst>
+          </p:cNvPr>
+          <p:cNvSpPr txBox="1"/>
+          <p:nvPr/>
+        </p:nvSpPr>
+        <p:spPr>
+          <a:xfrm>
+            <a:off x="3500913" y="4093204"/>
+            <a:ext cx="878348" cy="369332"/>
+          </a:xfrm>
+          <a:prstGeom prst="rect">
+            <a:avLst/>
+          </a:prstGeom>
+          <a:noFill/>
+        </p:spPr>
+        <p:txBody>
+          <a:bodyPr wrap="square" rtlCol="0">
+            <a:spAutoFit/>
+          </a:bodyPr>
+          <a:lstStyle/>
+          <a:p>
+            <a:r>
+              <a:rPr lang="en-IN" dirty="0"/>
+              <a:t>Vector</a:t>
+            </a:r>
+          </a:p>
+        </p:txBody>
+      </p:sp>
+      <p:cxnSp>
+        <p:nvCxnSpPr>
+          <p:cNvPr id="33" name="Straight Arrow Connector 32">
+            <a:extLst>
+              <a:ext uri="{FF2B5EF4-FFF2-40B4-BE49-F238E27FC236}">
+                <a16:creationId xmlns:a16="http://schemas.microsoft.com/office/drawing/2014/main" id="{D945AB23-FB47-48F3-B2EF-EDFAAA6FF5EE}"/>
+              </a:ext>
+            </a:extLst>
+          </p:cNvPr>
+          <p:cNvCxnSpPr/>
+          <p:nvPr/>
+        </p:nvCxnSpPr>
+        <p:spPr>
+          <a:xfrm>
+            <a:off x="4104352" y="3356992"/>
+            <a:ext cx="395640" cy="0"/>
+          </a:xfrm>
+          <a:prstGeom prst="straightConnector1">
+            <a:avLst/>
+          </a:prstGeom>
+          <a:ln>
+            <a:tailEnd type="triangle"/>
+          </a:ln>
+        </p:spPr>
+        <p:style>
+          <a:lnRef idx="3">
+            <a:schemeClr val="dk1"/>
+          </a:lnRef>
+          <a:fillRef idx="0">
+            <a:schemeClr val="dk1"/>
+          </a:fillRef>
+          <a:effectRef idx="2">
+            <a:schemeClr val="dk1"/>
+          </a:effectRef>
+          <a:fontRef idx="minor">
+            <a:schemeClr val="tx1"/>
+          </a:fontRef>
+        </p:style>
+      </p:cxnSp>
+      <p:grpSp>
+        <p:nvGrpSpPr>
+          <p:cNvPr id="47" name="Group 46">
+            <a:extLst>
+              <a:ext uri="{FF2B5EF4-FFF2-40B4-BE49-F238E27FC236}">
+                <a16:creationId xmlns:a16="http://schemas.microsoft.com/office/drawing/2014/main" id="{49821F8C-F3B6-487F-B777-731CE770DC93}"/>
+              </a:ext>
+            </a:extLst>
+          </p:cNvPr>
+          <p:cNvGrpSpPr/>
+          <p:nvPr/>
+        </p:nvGrpSpPr>
+        <p:grpSpPr>
+          <a:xfrm>
+            <a:off x="738392" y="2098659"/>
+            <a:ext cx="7389261" cy="2331709"/>
+            <a:chOff x="738392" y="2098659"/>
+            <a:chExt cx="7389261" cy="2331709"/>
+          </a:xfrm>
+        </p:grpSpPr>
+        <p:pic>
+          <p:nvPicPr>
+            <p:cNvPr id="5" name="Picture 4">
+              <a:extLst>
+                <a:ext uri="{FF2B5EF4-FFF2-40B4-BE49-F238E27FC236}">
+                  <a16:creationId xmlns:a16="http://schemas.microsoft.com/office/drawing/2014/main" id="{A2B99744-546D-40E5-99BE-294DADBF55CA}"/>
+                </a:ext>
+              </a:extLst>
+            </p:cNvPr>
+            <p:cNvPicPr>
+              <a:picLocks noChangeAspect="1"/>
+            </p:cNvPicPr>
+            <p:nvPr/>
+          </p:nvPicPr>
+          <p:blipFill>
+            <a:blip r:embed="rId2">
+              <a:extLst>
+                <a:ext uri="{28A0092B-C50C-407E-A947-70E740481C1C}">
+                  <a14:useLocalDpi xmlns:a14="http://schemas.microsoft.com/office/drawing/2010/main" val="0"/>
+                </a:ext>
+              </a:extLst>
+            </a:blip>
+            <a:stretch>
+              <a:fillRect/>
+            </a:stretch>
+          </p:blipFill>
+          <p:spPr>
+            <a:xfrm>
+              <a:off x="4716016" y="2427632"/>
+              <a:ext cx="3411637" cy="2002736"/>
+            </a:xfrm>
+            <a:prstGeom prst="rect">
+              <a:avLst/>
+            </a:prstGeom>
+          </p:spPr>
+        </p:pic>
+        <p:pic>
+          <p:nvPicPr>
+            <p:cNvPr id="7" name="Picture 6">
+              <a:extLst>
+                <a:ext uri="{FF2B5EF4-FFF2-40B4-BE49-F238E27FC236}">
+                  <a16:creationId xmlns:a16="http://schemas.microsoft.com/office/drawing/2014/main" id="{36ACB35C-727B-4617-B6CB-E4E626C4B60E}"/>
+                </a:ext>
+              </a:extLst>
+            </p:cNvPr>
+            <p:cNvPicPr>
+              <a:picLocks noChangeAspect="1"/>
+            </p:cNvPicPr>
+            <p:nvPr/>
+          </p:nvPicPr>
+          <p:blipFill>
+            <a:blip r:embed="rId3">
+              <a:extLst>
+                <a:ext uri="{28A0092B-C50C-407E-A947-70E740481C1C}">
+                  <a14:useLocalDpi xmlns:a14="http://schemas.microsoft.com/office/drawing/2010/main" val="0"/>
+                </a:ext>
+              </a:extLst>
+            </a:blip>
+            <a:stretch>
+              <a:fillRect/>
+            </a:stretch>
+          </p:blipFill>
+          <p:spPr>
+            <a:xfrm>
+              <a:off x="738392" y="2098659"/>
+              <a:ext cx="788277" cy="788277"/>
+            </a:xfrm>
+            <a:prstGeom prst="rect">
+              <a:avLst/>
+            </a:prstGeom>
+          </p:spPr>
+        </p:pic>
+        <p:cxnSp>
+          <p:nvCxnSpPr>
+            <p:cNvPr id="9" name="Straight Arrow Connector 8">
+              <a:extLst>
+                <a:ext uri="{FF2B5EF4-FFF2-40B4-BE49-F238E27FC236}">
+                  <a16:creationId xmlns:a16="http://schemas.microsoft.com/office/drawing/2014/main" id="{580BCB9D-2FEC-4F1A-890F-29456C841BA5}"/>
+                </a:ext>
+              </a:extLst>
+            </p:cNvPr>
+            <p:cNvCxnSpPr/>
+            <p:nvPr/>
+          </p:nvCxnSpPr>
+          <p:spPr>
+            <a:xfrm>
+              <a:off x="1547664" y="2564904"/>
+              <a:ext cx="432048" cy="0"/>
+            </a:xfrm>
+            <a:prstGeom prst="straightConnector1">
+              <a:avLst/>
+            </a:prstGeom>
+            <a:ln>
+              <a:tailEnd type="triangle"/>
+            </a:ln>
+          </p:spPr>
+          <p:style>
+            <a:lnRef idx="3">
+              <a:schemeClr val="dk1"/>
+            </a:lnRef>
+            <a:fillRef idx="0">
+              <a:schemeClr val="dk1"/>
+            </a:fillRef>
+            <a:effectRef idx="2">
+              <a:schemeClr val="dk1"/>
+            </a:effectRef>
+            <a:fontRef idx="minor">
+              <a:schemeClr val="tx1"/>
+            </a:fontRef>
+          </p:style>
+        </p:cxnSp>
+        <p:sp>
+          <p:nvSpPr>
+            <p:cNvPr id="11" name="Rectangle 10">
+              <a:extLst>
+                <a:ext uri="{FF2B5EF4-FFF2-40B4-BE49-F238E27FC236}">
+                  <a16:creationId xmlns:a16="http://schemas.microsoft.com/office/drawing/2014/main" id="{8E347728-C085-46A4-B12B-CBC0B3444A2D}"/>
+                </a:ext>
+              </a:extLst>
+            </p:cNvPr>
+            <p:cNvSpPr/>
+            <p:nvPr/>
+          </p:nvSpPr>
+          <p:spPr>
+            <a:xfrm>
+              <a:off x="1940442" y="2192561"/>
+              <a:ext cx="1335414" cy="694375"/>
+            </a:xfrm>
+            <a:prstGeom prst="rect">
+              <a:avLst/>
+            </a:prstGeom>
+            <a:noFill/>
+            <a:ln>
+              <a:solidFill>
+                <a:schemeClr val="tx1"/>
+              </a:solidFill>
+            </a:ln>
+          </p:spPr>
+          <p:style>
+            <a:lnRef idx="2">
+              <a:schemeClr val="accent1">
+                <a:shade val="50000"/>
+              </a:schemeClr>
+            </a:lnRef>
+            <a:fillRef idx="1">
+              <a:schemeClr val="accent1"/>
+            </a:fillRef>
+            <a:effectRef idx="0">
+              <a:schemeClr val="accent1"/>
+            </a:effectRef>
+            <a:fontRef idx="minor">
+              <a:schemeClr val="lt1"/>
+            </a:fontRef>
+          </p:style>
+          <p:txBody>
+            <a:bodyPr rtlCol="0" anchor="ctr"/>
+            <a:lstStyle/>
+            <a:p>
+              <a:pPr algn="ctr"/>
+              <a:endParaRPr lang="en-IN"/>
+            </a:p>
+          </p:txBody>
+        </p:sp>
+        <p:sp>
+          <p:nvSpPr>
+            <p:cNvPr id="27" name="Oval 26">
+              <a:extLst>
+                <a:ext uri="{FF2B5EF4-FFF2-40B4-BE49-F238E27FC236}">
+                  <a16:creationId xmlns:a16="http://schemas.microsoft.com/office/drawing/2014/main" id="{261A2A35-3ECC-4E96-B7C5-B5387B4EAE31}"/>
+                </a:ext>
+              </a:extLst>
+            </p:cNvPr>
+            <p:cNvSpPr/>
+            <p:nvPr/>
+          </p:nvSpPr>
+          <p:spPr>
+            <a:xfrm>
+              <a:off x="3725088" y="2886936"/>
+              <a:ext cx="217930" cy="232859"/>
+            </a:xfrm>
+            <a:prstGeom prst="ellipse">
+              <a:avLst/>
+            </a:prstGeom>
+            <a:solidFill>
+              <a:schemeClr val="accent3">
+                <a:lumMod val="85000"/>
+              </a:schemeClr>
+            </a:solidFill>
+            <a:ln>
+              <a:solidFill>
+                <a:schemeClr val="tx1"/>
+              </a:solidFill>
+            </a:ln>
+          </p:spPr>
+          <p:style>
+            <a:lnRef idx="2">
+              <a:schemeClr val="accent1">
+                <a:shade val="50000"/>
+              </a:schemeClr>
+            </a:lnRef>
+            <a:fillRef idx="1">
+              <a:schemeClr val="accent1"/>
+            </a:fillRef>
+            <a:effectRef idx="0">
+              <a:schemeClr val="accent1"/>
+            </a:effectRef>
+            <a:fontRef idx="minor">
+              <a:schemeClr val="lt1"/>
+            </a:fontRef>
+          </p:style>
+          <p:txBody>
+            <a:bodyPr rtlCol="0" anchor="ctr"/>
+            <a:lstStyle/>
+            <a:p>
+              <a:pPr algn="ctr"/>
+              <a:endParaRPr lang="en-IN"/>
+            </a:p>
+          </p:txBody>
+        </p:sp>
+        <p:sp>
+          <p:nvSpPr>
+            <p:cNvPr id="28" name="Oval 27">
+              <a:extLst>
+                <a:ext uri="{FF2B5EF4-FFF2-40B4-BE49-F238E27FC236}">
+                  <a16:creationId xmlns:a16="http://schemas.microsoft.com/office/drawing/2014/main" id="{C22678BC-E55A-4893-8284-646AD6C36F1E}"/>
+                </a:ext>
+              </a:extLst>
+            </p:cNvPr>
+            <p:cNvSpPr/>
+            <p:nvPr/>
+          </p:nvSpPr>
+          <p:spPr>
+            <a:xfrm>
+              <a:off x="3722157" y="3224964"/>
+              <a:ext cx="217930" cy="232859"/>
+            </a:xfrm>
+            <a:prstGeom prst="ellipse">
+              <a:avLst/>
+            </a:prstGeom>
+            <a:solidFill>
+              <a:schemeClr val="accent3">
+                <a:lumMod val="85000"/>
+              </a:schemeClr>
+            </a:solidFill>
+            <a:ln>
+              <a:solidFill>
+                <a:schemeClr val="tx1"/>
+              </a:solidFill>
+            </a:ln>
+          </p:spPr>
+          <p:style>
+            <a:lnRef idx="2">
+              <a:schemeClr val="accent1">
+                <a:shade val="50000"/>
+              </a:schemeClr>
+            </a:lnRef>
+            <a:fillRef idx="1">
+              <a:schemeClr val="accent1"/>
+            </a:fillRef>
+            <a:effectRef idx="0">
+              <a:schemeClr val="accent1"/>
+            </a:effectRef>
+            <a:fontRef idx="minor">
+              <a:schemeClr val="lt1"/>
+            </a:fontRef>
+          </p:style>
+          <p:txBody>
+            <a:bodyPr rtlCol="0" anchor="ctr"/>
+            <a:lstStyle/>
+            <a:p>
+              <a:pPr algn="ctr"/>
+              <a:endParaRPr lang="en-IN"/>
+            </a:p>
+          </p:txBody>
+        </p:sp>
+        <p:sp>
+          <p:nvSpPr>
+            <p:cNvPr id="29" name="Oval 28">
+              <a:extLst>
+                <a:ext uri="{FF2B5EF4-FFF2-40B4-BE49-F238E27FC236}">
+                  <a16:creationId xmlns:a16="http://schemas.microsoft.com/office/drawing/2014/main" id="{2F4C46F6-A84A-467D-9480-33CF8DDA9E64}"/>
+                </a:ext>
+              </a:extLst>
+            </p:cNvPr>
+            <p:cNvSpPr/>
+            <p:nvPr/>
+          </p:nvSpPr>
+          <p:spPr>
+            <a:xfrm>
+              <a:off x="3729736" y="3788050"/>
+              <a:ext cx="217930" cy="232859"/>
+            </a:xfrm>
+            <a:prstGeom prst="ellipse">
+              <a:avLst/>
+            </a:prstGeom>
+            <a:solidFill>
+              <a:schemeClr val="accent3">
+                <a:lumMod val="85000"/>
+              </a:schemeClr>
+            </a:solidFill>
+            <a:ln>
+              <a:solidFill>
+                <a:schemeClr val="tx1"/>
+              </a:solidFill>
+            </a:ln>
+          </p:spPr>
+          <p:style>
+            <a:lnRef idx="2">
+              <a:schemeClr val="accent1">
+                <a:shade val="50000"/>
+              </a:schemeClr>
+            </a:lnRef>
+            <a:fillRef idx="1">
+              <a:schemeClr val="accent1"/>
+            </a:fillRef>
+            <a:effectRef idx="0">
+              <a:schemeClr val="accent1"/>
+            </a:effectRef>
+            <a:fontRef idx="minor">
+              <a:schemeClr val="lt1"/>
+            </a:fontRef>
+          </p:style>
+          <p:txBody>
+            <a:bodyPr rtlCol="0" anchor="ctr"/>
+            <a:lstStyle/>
+            <a:p>
+              <a:pPr algn="ctr"/>
+              <a:endParaRPr lang="en-IN"/>
+            </a:p>
+          </p:txBody>
+        </p:sp>
+        <p:sp>
+          <p:nvSpPr>
+            <p:cNvPr id="30" name="TextBox 29">
+              <a:extLst>
+                <a:ext uri="{FF2B5EF4-FFF2-40B4-BE49-F238E27FC236}">
+                  <a16:creationId xmlns:a16="http://schemas.microsoft.com/office/drawing/2014/main" id="{EB56CA11-E16A-46F3-864C-DAE35000BACE}"/>
+                </a:ext>
+              </a:extLst>
+            </p:cNvPr>
+            <p:cNvSpPr txBox="1"/>
+            <p:nvPr/>
+          </p:nvSpPr>
+          <p:spPr>
+            <a:xfrm rot="5400000">
+              <a:off x="3702329" y="3461690"/>
+              <a:ext cx="434712" cy="369332"/>
+            </a:xfrm>
+            <a:prstGeom prst="rect">
+              <a:avLst/>
+            </a:prstGeom>
+            <a:noFill/>
+          </p:spPr>
+          <p:txBody>
+            <a:bodyPr wrap="square" rtlCol="0">
+              <a:spAutoFit/>
+            </a:bodyPr>
+            <a:lstStyle/>
+            <a:p>
+              <a:r>
+                <a:rPr lang="en-IN" dirty="0"/>
+                <a:t>…</a:t>
+              </a:r>
+            </a:p>
+          </p:txBody>
+        </p:sp>
+        <p:cxnSp>
+          <p:nvCxnSpPr>
+            <p:cNvPr id="37" name="Straight Connector 36">
+              <a:extLst>
+                <a:ext uri="{FF2B5EF4-FFF2-40B4-BE49-F238E27FC236}">
+                  <a16:creationId xmlns:a16="http://schemas.microsoft.com/office/drawing/2014/main" id="{F60A608C-17D9-46FB-9C74-D6E6D6C10580}"/>
+                </a:ext>
+              </a:extLst>
+            </p:cNvPr>
+            <p:cNvCxnSpPr>
+              <a:cxnSpLocks/>
+              <a:stCxn id="11" idx="2"/>
+            </p:cNvCxnSpPr>
+            <p:nvPr/>
+          </p:nvCxnSpPr>
+          <p:spPr>
+            <a:xfrm>
+              <a:off x="2608149" y="2886936"/>
+              <a:ext cx="0" cy="470056"/>
+            </a:xfrm>
+            <a:prstGeom prst="line">
+              <a:avLst/>
+            </a:prstGeom>
+            <a:ln/>
+          </p:spPr>
+          <p:style>
+            <a:lnRef idx="3">
+              <a:schemeClr val="dk1"/>
+            </a:lnRef>
+            <a:fillRef idx="0">
+              <a:schemeClr val="dk1"/>
+            </a:fillRef>
+            <a:effectRef idx="2">
+              <a:schemeClr val="dk1"/>
+            </a:effectRef>
+            <a:fontRef idx="minor">
+              <a:schemeClr val="tx1"/>
+            </a:fontRef>
+          </p:style>
+        </p:cxnSp>
+        <p:cxnSp>
+          <p:nvCxnSpPr>
+            <p:cNvPr id="42" name="Straight Arrow Connector 41">
+              <a:extLst>
+                <a:ext uri="{FF2B5EF4-FFF2-40B4-BE49-F238E27FC236}">
+                  <a16:creationId xmlns:a16="http://schemas.microsoft.com/office/drawing/2014/main" id="{175399D5-2487-4DFC-8CBF-BEF3D83E3E56}"/>
+                </a:ext>
+              </a:extLst>
+            </p:cNvPr>
+            <p:cNvCxnSpPr>
+              <a:cxnSpLocks/>
+            </p:cNvCxnSpPr>
+            <p:nvPr/>
+          </p:nvCxnSpPr>
+          <p:spPr>
+            <a:xfrm>
+              <a:off x="2608149" y="3356992"/>
+              <a:ext cx="1000651" cy="0"/>
+            </a:xfrm>
+            <a:prstGeom prst="straightConnector1">
+              <a:avLst/>
+            </a:prstGeom>
+            <a:ln>
+              <a:tailEnd type="triangle"/>
+            </a:ln>
+          </p:spPr>
+          <p:style>
+            <a:lnRef idx="3">
+              <a:schemeClr val="dk1"/>
+            </a:lnRef>
+            <a:fillRef idx="0">
+              <a:schemeClr val="dk1"/>
+            </a:fillRef>
+            <a:effectRef idx="2">
+              <a:schemeClr val="dk1"/>
+            </a:effectRef>
+            <a:fontRef idx="minor">
+              <a:schemeClr val="tx1"/>
+            </a:fontRef>
+          </p:style>
+        </p:cxnSp>
+      </p:grpSp>
     </p:spTree>
     <p:extLst>
       <p:ext uri="{BB962C8B-B14F-4D97-AF65-F5344CB8AC3E}">
-        <p14:creationId xmlns:p14="http://schemas.microsoft.com/office/powerpoint/2010/main" val="1747556373"/>
+        <p14:creationId xmlns:p14="http://schemas.microsoft.com/office/powerpoint/2010/main" val="3581864429"/>
       </p:ext>
     </p:extLst>
   </p:cSld>
